--- a/lecture-slides/2019-10-25-oop.pptx
+++ b/lecture-slides/2019-10-25-oop.pptx
@@ -5,7 +5,7 @@
     <p:sldMasterId id="2147483648" r:id="rId1"/>
   </p:sldMasterIdLst>
   <p:notesMasterIdLst>
-    <p:notesMasterId r:id="rId22"/>
+    <p:notesMasterId r:id="rId24"/>
   </p:notesMasterIdLst>
   <p:sldIdLst>
     <p:sldId id="305" r:id="rId2"/>
@@ -13,21 +13,23 @@
     <p:sldId id="634" r:id="rId4"/>
     <p:sldId id="581" r:id="rId5"/>
     <p:sldId id="636" r:id="rId6"/>
-    <p:sldId id="579" r:id="rId7"/>
-    <p:sldId id="633" r:id="rId8"/>
-    <p:sldId id="556" r:id="rId9"/>
-    <p:sldId id="290" r:id="rId10"/>
-    <p:sldId id="555" r:id="rId11"/>
-    <p:sldId id="486" r:id="rId12"/>
-    <p:sldId id="632" r:id="rId13"/>
-    <p:sldId id="616" r:id="rId14"/>
-    <p:sldId id="639" r:id="rId15"/>
-    <p:sldId id="613" r:id="rId16"/>
-    <p:sldId id="618" r:id="rId17"/>
-    <p:sldId id="617" r:id="rId18"/>
-    <p:sldId id="619" r:id="rId19"/>
-    <p:sldId id="620" r:id="rId20"/>
-    <p:sldId id="621" r:id="rId21"/>
+    <p:sldId id="633" r:id="rId7"/>
+    <p:sldId id="579" r:id="rId8"/>
+    <p:sldId id="506" r:id="rId9"/>
+    <p:sldId id="648" r:id="rId10"/>
+    <p:sldId id="556" r:id="rId11"/>
+    <p:sldId id="290" r:id="rId12"/>
+    <p:sldId id="555" r:id="rId13"/>
+    <p:sldId id="486" r:id="rId14"/>
+    <p:sldId id="632" r:id="rId15"/>
+    <p:sldId id="616" r:id="rId16"/>
+    <p:sldId id="639" r:id="rId17"/>
+    <p:sldId id="613" r:id="rId18"/>
+    <p:sldId id="618" r:id="rId19"/>
+    <p:sldId id="617" r:id="rId20"/>
+    <p:sldId id="619" r:id="rId21"/>
+    <p:sldId id="620" r:id="rId22"/>
+    <p:sldId id="621" r:id="rId23"/>
   </p:sldIdLst>
   <p:sldSz cx="12192000" cy="6858000"/>
   <p:notesSz cx="6858000" cy="9144000"/>
@@ -136,8 +138,10 @@
             <p14:sldId id="634"/>
             <p14:sldId id="581"/>
             <p14:sldId id="636"/>
+            <p14:sldId id="633"/>
             <p14:sldId id="579"/>
-            <p14:sldId id="633"/>
+            <p14:sldId id="506"/>
+            <p14:sldId id="648"/>
             <p14:sldId id="556"/>
             <p14:sldId id="290"/>
             <p14:sldId id="555"/>
@@ -683,8 +687,20 @@
           <a:bodyPr/>
           <a:lstStyle/>
           <a:p>
+            <a:r>
+              <a:rPr lang="en-US" dirty="0"/>
+              <a:t>https://developer.mozilla.org/en-US/docs/Web/HTTP/CORS</a:t>
+            </a:r>
+          </a:p>
+          <a:p>
             <a:endParaRPr lang="en-US" dirty="0"/>
           </a:p>
+          <a:p>
+            <a:r>
+              <a:rPr lang="en-US" dirty="0"/>
+              <a:t>https://www.youtube.com/watch?v=o8puzjzpjqo</a:t>
+            </a:r>
+          </a:p>
         </p:txBody>
       </p:sp>
       <p:sp>
@@ -702,18 +718,18 @@
           <a:bodyPr/>
           <a:lstStyle/>
           <a:p>
-            <a:fld id="{5394DE12-7B9B-46AA-AC19-C30A49928B9B}" type="slidenum">
+            <a:fld id="{23B99BB9-C7F6-43B3-A122-46088ABB36FB}" type="slidenum">
               <a:rPr lang="en-US" smtClean="0"/>
-              <a:t>15</a:t>
+              <a:t>13</a:t>
             </a:fld>
-            <a:endParaRPr lang="en-US" dirty="0"/>
+            <a:endParaRPr lang="en-US"/>
           </a:p>
         </p:txBody>
       </p:sp>
     </p:spTree>
     <p:extLst>
       <p:ext uri="{BB962C8B-B14F-4D97-AF65-F5344CB8AC3E}">
-        <p14:creationId xmlns:p14="http://schemas.microsoft.com/office/powerpoint/2010/main" val="3355459141"/>
+        <p14:creationId xmlns:p14="http://schemas.microsoft.com/office/powerpoint/2010/main" val="961209925"/>
       </p:ext>
     </p:extLst>
   </p:cSld>
@@ -767,7 +783,7 @@
           <a:bodyPr/>
           <a:lstStyle/>
           <a:p>
-            <a:endParaRPr lang="en-US" dirty="0"/>
+            <a:endParaRPr lang="en-US" sz="1000" dirty="0"/>
           </a:p>
         </p:txBody>
       </p:sp>
@@ -788,7 +804,7 @@
           <a:p>
             <a:fld id="{23B99BB9-C7F6-43B3-A122-46088ABB36FB}" type="slidenum">
               <a:rPr lang="en-US" smtClean="0"/>
-              <a:t>16</a:t>
+              <a:t>15</a:t>
             </a:fld>
             <a:endParaRPr lang="en-US"/>
           </a:p>
@@ -797,7 +813,7 @@
     </p:spTree>
     <p:extLst>
       <p:ext uri="{BB962C8B-B14F-4D97-AF65-F5344CB8AC3E}">
-        <p14:creationId xmlns:p14="http://schemas.microsoft.com/office/powerpoint/2010/main" val="200980515"/>
+        <p14:creationId xmlns:p14="http://schemas.microsoft.com/office/powerpoint/2010/main" val="3813981232"/>
       </p:ext>
     </p:extLst>
   </p:cSld>
@@ -870,18 +886,18 @@
           <a:bodyPr/>
           <a:lstStyle/>
           <a:p>
-            <a:fld id="{23B99BB9-C7F6-43B3-A122-46088ABB36FB}" type="slidenum">
+            <a:fld id="{5394DE12-7B9B-46AA-AC19-C30A49928B9B}" type="slidenum">
               <a:rPr lang="en-US" smtClean="0"/>
               <a:t>17</a:t>
             </a:fld>
-            <a:endParaRPr lang="en-US"/>
+            <a:endParaRPr lang="en-US" dirty="0"/>
           </a:p>
         </p:txBody>
       </p:sp>
     </p:spTree>
     <p:extLst>
       <p:ext uri="{BB962C8B-B14F-4D97-AF65-F5344CB8AC3E}">
-        <p14:creationId xmlns:p14="http://schemas.microsoft.com/office/powerpoint/2010/main" val="1655135865"/>
+        <p14:creationId xmlns:p14="http://schemas.microsoft.com/office/powerpoint/2010/main" val="3355459141"/>
       </p:ext>
     </p:extLst>
   </p:cSld>
@@ -935,10 +951,7 @@
           <a:bodyPr/>
           <a:lstStyle/>
           <a:p>
-            <a:r>
-              <a:rPr lang="en-US" dirty="0"/>
-              <a:t>Eric’s View</a:t>
-            </a:r>
+            <a:endParaRPr lang="en-US" dirty="0"/>
           </a:p>
         </p:txBody>
       </p:sp>
@@ -968,7 +981,7 @@
     </p:spTree>
     <p:extLst>
       <p:ext uri="{BB962C8B-B14F-4D97-AF65-F5344CB8AC3E}">
-        <p14:creationId xmlns:p14="http://schemas.microsoft.com/office/powerpoint/2010/main" val="2191622677"/>
+        <p14:creationId xmlns:p14="http://schemas.microsoft.com/office/powerpoint/2010/main" val="200980515"/>
       </p:ext>
     </p:extLst>
   </p:cSld>
@@ -1022,10 +1035,7 @@
           <a:bodyPr/>
           <a:lstStyle/>
           <a:p>
-            <a:r>
-              <a:rPr lang="en-US" dirty="0"/>
-              <a:t>Eric’s View</a:t>
-            </a:r>
+            <a:endParaRPr lang="en-US" dirty="0"/>
           </a:p>
         </p:txBody>
       </p:sp>
@@ -1055,7 +1065,7 @@
     </p:spTree>
     <p:extLst>
       <p:ext uri="{BB962C8B-B14F-4D97-AF65-F5344CB8AC3E}">
-        <p14:creationId xmlns:p14="http://schemas.microsoft.com/office/powerpoint/2010/main" val="2815064822"/>
+        <p14:creationId xmlns:p14="http://schemas.microsoft.com/office/powerpoint/2010/main" val="1655135865"/>
       </p:ext>
     </p:extLst>
   </p:cSld>
@@ -1134,6 +1144,180 @@
             <a:fld id="{23B99BB9-C7F6-43B3-A122-46088ABB36FB}" type="slidenum">
               <a:rPr lang="en-US" smtClean="0"/>
               <a:t>20</a:t>
+            </a:fld>
+            <a:endParaRPr lang="en-US"/>
+          </a:p>
+        </p:txBody>
+      </p:sp>
+    </p:spTree>
+    <p:extLst>
+      <p:ext uri="{BB962C8B-B14F-4D97-AF65-F5344CB8AC3E}">
+        <p14:creationId xmlns:p14="http://schemas.microsoft.com/office/powerpoint/2010/main" val="2191622677"/>
+      </p:ext>
+    </p:extLst>
+  </p:cSld>
+  <p:clrMapOvr>
+    <a:masterClrMapping/>
+  </p:clrMapOvr>
+</p:notes>
+</file>
+
+<file path=ppt/notesSlides/notesSlide16.xml><?xml version="1.0" encoding="utf-8"?>
+<p:notes xmlns:a="http://schemas.openxmlformats.org/drawingml/2006/main" xmlns:r="http://schemas.openxmlformats.org/officeDocument/2006/relationships" xmlns:p="http://schemas.openxmlformats.org/presentationml/2006/main">
+  <p:cSld>
+    <p:spTree>
+      <p:nvGrpSpPr>
+        <p:cNvPr id="1" name=""/>
+        <p:cNvGrpSpPr/>
+        <p:nvPr/>
+      </p:nvGrpSpPr>
+      <p:grpSpPr>
+        <a:xfrm>
+          <a:off x="0" y="0"/>
+          <a:ext cx="0" cy="0"/>
+          <a:chOff x="0" y="0"/>
+          <a:chExt cx="0" cy="0"/>
+        </a:xfrm>
+      </p:grpSpPr>
+      <p:sp>
+        <p:nvSpPr>
+          <p:cNvPr id="2" name="Slide Image Placeholder 1"/>
+          <p:cNvSpPr>
+            <a:spLocks noGrp="1" noRot="1" noChangeAspect="1"/>
+          </p:cNvSpPr>
+          <p:nvPr>
+            <p:ph type="sldImg"/>
+          </p:nvPr>
+        </p:nvSpPr>
+        <p:spPr/>
+      </p:sp>
+      <p:sp>
+        <p:nvSpPr>
+          <p:cNvPr id="3" name="Notes Placeholder 2"/>
+          <p:cNvSpPr>
+            <a:spLocks noGrp="1"/>
+          </p:cNvSpPr>
+          <p:nvPr>
+            <p:ph type="body" idx="1"/>
+          </p:nvPr>
+        </p:nvSpPr>
+        <p:spPr/>
+        <p:txBody>
+          <a:bodyPr/>
+          <a:lstStyle/>
+          <a:p>
+            <a:r>
+              <a:rPr lang="en-US" dirty="0"/>
+              <a:t>Eric’s View</a:t>
+            </a:r>
+          </a:p>
+        </p:txBody>
+      </p:sp>
+      <p:sp>
+        <p:nvSpPr>
+          <p:cNvPr id="4" name="Slide Number Placeholder 3"/>
+          <p:cNvSpPr>
+            <a:spLocks noGrp="1"/>
+          </p:cNvSpPr>
+          <p:nvPr>
+            <p:ph type="sldNum" sz="quarter" idx="10"/>
+          </p:nvPr>
+        </p:nvSpPr>
+        <p:spPr/>
+        <p:txBody>
+          <a:bodyPr/>
+          <a:lstStyle/>
+          <a:p>
+            <a:fld id="{23B99BB9-C7F6-43B3-A122-46088ABB36FB}" type="slidenum">
+              <a:rPr lang="en-US" smtClean="0"/>
+              <a:t>21</a:t>
+            </a:fld>
+            <a:endParaRPr lang="en-US"/>
+          </a:p>
+        </p:txBody>
+      </p:sp>
+    </p:spTree>
+    <p:extLst>
+      <p:ext uri="{BB962C8B-B14F-4D97-AF65-F5344CB8AC3E}">
+        <p14:creationId xmlns:p14="http://schemas.microsoft.com/office/powerpoint/2010/main" val="2815064822"/>
+      </p:ext>
+    </p:extLst>
+  </p:cSld>
+  <p:clrMapOvr>
+    <a:masterClrMapping/>
+  </p:clrMapOvr>
+</p:notes>
+</file>
+
+<file path=ppt/notesSlides/notesSlide17.xml><?xml version="1.0" encoding="utf-8"?>
+<p:notes xmlns:a="http://schemas.openxmlformats.org/drawingml/2006/main" xmlns:r="http://schemas.openxmlformats.org/officeDocument/2006/relationships" xmlns:p="http://schemas.openxmlformats.org/presentationml/2006/main">
+  <p:cSld>
+    <p:spTree>
+      <p:nvGrpSpPr>
+        <p:cNvPr id="1" name=""/>
+        <p:cNvGrpSpPr/>
+        <p:nvPr/>
+      </p:nvGrpSpPr>
+      <p:grpSpPr>
+        <a:xfrm>
+          <a:off x="0" y="0"/>
+          <a:ext cx="0" cy="0"/>
+          <a:chOff x="0" y="0"/>
+          <a:chExt cx="0" cy="0"/>
+        </a:xfrm>
+      </p:grpSpPr>
+      <p:sp>
+        <p:nvSpPr>
+          <p:cNvPr id="2" name="Slide Image Placeholder 1"/>
+          <p:cNvSpPr>
+            <a:spLocks noGrp="1" noRot="1" noChangeAspect="1"/>
+          </p:cNvSpPr>
+          <p:nvPr>
+            <p:ph type="sldImg"/>
+          </p:nvPr>
+        </p:nvSpPr>
+        <p:spPr/>
+      </p:sp>
+      <p:sp>
+        <p:nvSpPr>
+          <p:cNvPr id="3" name="Notes Placeholder 2"/>
+          <p:cNvSpPr>
+            <a:spLocks noGrp="1"/>
+          </p:cNvSpPr>
+          <p:nvPr>
+            <p:ph type="body" idx="1"/>
+          </p:nvPr>
+        </p:nvSpPr>
+        <p:spPr/>
+        <p:txBody>
+          <a:bodyPr/>
+          <a:lstStyle/>
+          <a:p>
+            <a:r>
+              <a:rPr lang="en-US" dirty="0"/>
+              <a:t>Eric’s View</a:t>
+            </a:r>
+          </a:p>
+        </p:txBody>
+      </p:sp>
+      <p:sp>
+        <p:nvSpPr>
+          <p:cNvPr id="4" name="Slide Number Placeholder 3"/>
+          <p:cNvSpPr>
+            <a:spLocks noGrp="1"/>
+          </p:cNvSpPr>
+          <p:nvPr>
+            <p:ph type="sldNum" sz="quarter" idx="10"/>
+          </p:nvPr>
+        </p:nvSpPr>
+        <p:spPr/>
+        <p:txBody>
+          <a:bodyPr/>
+          <a:lstStyle/>
+          <a:p>
+            <a:fld id="{23B99BB9-C7F6-43B3-A122-46088ABB36FB}" type="slidenum">
+              <a:rPr lang="en-US" smtClean="0"/>
+              <a:t>22</a:t>
             </a:fld>
             <a:endParaRPr lang="en-US"/>
           </a:p>
@@ -1280,7 +1464,7 @@
           <a:bodyPr/>
           <a:lstStyle/>
           <a:p>
-            <a:endParaRPr lang="en-US" dirty="0"/>
+            <a:endParaRPr lang="en-US" sz="1000" dirty="0"/>
           </a:p>
         </p:txBody>
       </p:sp>
@@ -1299,18 +1483,18 @@
           <a:bodyPr/>
           <a:lstStyle/>
           <a:p>
-            <a:fld id="{23B99BB9-C7F6-43B3-A122-46088ABB36FB}" type="slidenum">
+            <a:fld id="{5394DE12-7B9B-46AA-AC19-C30A49928B9B}" type="slidenum">
               <a:rPr lang="en-US" smtClean="0"/>
               <a:t>6</a:t>
             </a:fld>
-            <a:endParaRPr lang="en-US"/>
+            <a:endParaRPr lang="en-US" dirty="0"/>
           </a:p>
         </p:txBody>
       </p:sp>
     </p:spTree>
     <p:extLst>
       <p:ext uri="{BB962C8B-B14F-4D97-AF65-F5344CB8AC3E}">
-        <p14:creationId xmlns:p14="http://schemas.microsoft.com/office/powerpoint/2010/main" val="2307181481"/>
+        <p14:creationId xmlns:p14="http://schemas.microsoft.com/office/powerpoint/2010/main" val="1141426687"/>
       </p:ext>
     </p:extLst>
   </p:cSld>
@@ -1364,7 +1548,7 @@
           <a:bodyPr/>
           <a:lstStyle/>
           <a:p>
-            <a:endParaRPr lang="en-US" sz="1000" dirty="0"/>
+            <a:endParaRPr lang="en-US" dirty="0"/>
           </a:p>
         </p:txBody>
       </p:sp>
@@ -1383,18 +1567,18 @@
           <a:bodyPr/>
           <a:lstStyle/>
           <a:p>
-            <a:fld id="{5394DE12-7B9B-46AA-AC19-C30A49928B9B}" type="slidenum">
+            <a:fld id="{23B99BB9-C7F6-43B3-A122-46088ABB36FB}" type="slidenum">
               <a:rPr lang="en-US" smtClean="0"/>
               <a:t>7</a:t>
             </a:fld>
-            <a:endParaRPr lang="en-US" dirty="0"/>
+            <a:endParaRPr lang="en-US"/>
           </a:p>
         </p:txBody>
       </p:sp>
     </p:spTree>
     <p:extLst>
       <p:ext uri="{BB962C8B-B14F-4D97-AF65-F5344CB8AC3E}">
-        <p14:creationId xmlns:p14="http://schemas.microsoft.com/office/powerpoint/2010/main" val="1141426687"/>
+        <p14:creationId xmlns:p14="http://schemas.microsoft.com/office/powerpoint/2010/main" val="2307181481"/>
       </p:ext>
     </p:extLst>
   </p:cSld>
@@ -1448,7 +1632,7 @@
           <a:bodyPr/>
           <a:lstStyle/>
           <a:p>
-            <a:endParaRPr lang="en-US" sz="1000" dirty="0"/>
+            <a:endParaRPr lang="en-US" dirty="0"/>
           </a:p>
         </p:txBody>
       </p:sp>
@@ -1467,18 +1651,18 @@
           <a:bodyPr/>
           <a:lstStyle/>
           <a:p>
-            <a:fld id="{5394DE12-7B9B-46AA-AC19-C30A49928B9B}" type="slidenum">
+            <a:fld id="{23B99BB9-C7F6-43B3-A122-46088ABB36FB}" type="slidenum">
               <a:rPr lang="en-US" smtClean="0"/>
               <a:t>8</a:t>
             </a:fld>
-            <a:endParaRPr lang="en-US" dirty="0"/>
+            <a:endParaRPr lang="en-US"/>
           </a:p>
         </p:txBody>
       </p:sp>
     </p:spTree>
     <p:extLst>
       <p:ext uri="{BB962C8B-B14F-4D97-AF65-F5344CB8AC3E}">
-        <p14:creationId xmlns:p14="http://schemas.microsoft.com/office/powerpoint/2010/main" val="139673835"/>
+        <p14:creationId xmlns:p14="http://schemas.microsoft.com/office/powerpoint/2010/main" val="1286717539"/>
       </p:ext>
     </p:extLst>
   </p:cSld>
@@ -1532,7 +1716,7 @@
           <a:bodyPr/>
           <a:lstStyle/>
           <a:p>
-            <a:endParaRPr lang="en-US" dirty="0"/>
+            <a:endParaRPr lang="en-US" sz="1000" dirty="0"/>
           </a:p>
         </p:txBody>
       </p:sp>
@@ -1551,18 +1735,18 @@
           <a:bodyPr/>
           <a:lstStyle/>
           <a:p>
-            <a:fld id="{23B99BB9-C7F6-43B3-A122-46088ABB36FB}" type="slidenum">
+            <a:fld id="{5394DE12-7B9B-46AA-AC19-C30A49928B9B}" type="slidenum">
               <a:rPr lang="en-US" smtClean="0"/>
               <a:t>9</a:t>
             </a:fld>
-            <a:endParaRPr lang="en-US"/>
+            <a:endParaRPr lang="en-US" dirty="0"/>
           </a:p>
         </p:txBody>
       </p:sp>
     </p:spTree>
     <p:extLst>
       <p:ext uri="{BB962C8B-B14F-4D97-AF65-F5344CB8AC3E}">
-        <p14:creationId xmlns:p14="http://schemas.microsoft.com/office/powerpoint/2010/main" val="1648793344"/>
+        <p14:creationId xmlns:p14="http://schemas.microsoft.com/office/powerpoint/2010/main" val="431792307"/>
       </p:ext>
     </p:extLst>
   </p:cSld>
@@ -1616,7 +1800,7 @@
           <a:bodyPr/>
           <a:lstStyle/>
           <a:p>
-            <a:endParaRPr lang="en-US" dirty="0"/>
+            <a:endParaRPr lang="en-US" sz="1000" dirty="0"/>
           </a:p>
         </p:txBody>
       </p:sp>
@@ -1635,18 +1819,18 @@
           <a:bodyPr/>
           <a:lstStyle/>
           <a:p>
-            <a:fld id="{23B99BB9-C7F6-43B3-A122-46088ABB36FB}" type="slidenum">
+            <a:fld id="{5394DE12-7B9B-46AA-AC19-C30A49928B9B}" type="slidenum">
               <a:rPr lang="en-US" smtClean="0"/>
               <a:t>10</a:t>
             </a:fld>
-            <a:endParaRPr lang="en-US"/>
+            <a:endParaRPr lang="en-US" dirty="0"/>
           </a:p>
         </p:txBody>
       </p:sp>
     </p:spTree>
     <p:extLst>
       <p:ext uri="{BB962C8B-B14F-4D97-AF65-F5344CB8AC3E}">
-        <p14:creationId xmlns:p14="http://schemas.microsoft.com/office/powerpoint/2010/main" val="2102918270"/>
+        <p14:creationId xmlns:p14="http://schemas.microsoft.com/office/powerpoint/2010/main" val="139673835"/>
       </p:ext>
     </p:extLst>
   </p:cSld>
@@ -1700,19 +1884,7 @@
           <a:bodyPr/>
           <a:lstStyle/>
           <a:p>
-            <a:r>
-              <a:rPr lang="en-US" dirty="0"/>
-              <a:t>https://developer.mozilla.org/en-US/docs/Web/HTTP/CORS</a:t>
-            </a:r>
-          </a:p>
-          <a:p>
             <a:endParaRPr lang="en-US" dirty="0"/>
-          </a:p>
-          <a:p>
-            <a:r>
-              <a:rPr lang="en-US" dirty="0"/>
-              <a:t>https://www.youtube.com/watch?v=o8puzjzpjqo</a:t>
-            </a:r>
           </a:p>
         </p:txBody>
       </p:sp>
@@ -1742,7 +1914,7 @@
     </p:spTree>
     <p:extLst>
       <p:ext uri="{BB962C8B-B14F-4D97-AF65-F5344CB8AC3E}">
-        <p14:creationId xmlns:p14="http://schemas.microsoft.com/office/powerpoint/2010/main" val="961209925"/>
+        <p14:creationId xmlns:p14="http://schemas.microsoft.com/office/powerpoint/2010/main" val="1648793344"/>
       </p:ext>
     </p:extLst>
   </p:cSld>
@@ -1796,7 +1968,7 @@
           <a:bodyPr/>
           <a:lstStyle/>
           <a:p>
-            <a:endParaRPr lang="en-US" sz="1000" dirty="0"/>
+            <a:endParaRPr lang="en-US" dirty="0"/>
           </a:p>
         </p:txBody>
       </p:sp>
@@ -1817,7 +1989,7 @@
           <a:p>
             <a:fld id="{23B99BB9-C7F6-43B3-A122-46088ABB36FB}" type="slidenum">
               <a:rPr lang="en-US" smtClean="0"/>
-              <a:t>13</a:t>
+              <a:t>12</a:t>
             </a:fld>
             <a:endParaRPr lang="en-US"/>
           </a:p>
@@ -1826,7 +1998,7 @@
     </p:spTree>
     <p:extLst>
       <p:ext uri="{BB962C8B-B14F-4D97-AF65-F5344CB8AC3E}">
-        <p14:creationId xmlns:p14="http://schemas.microsoft.com/office/powerpoint/2010/main" val="3813981232"/>
+        <p14:creationId xmlns:p14="http://schemas.microsoft.com/office/powerpoint/2010/main" val="2102918270"/>
       </p:ext>
     </p:extLst>
   </p:cSld>
@@ -5132,11 +5304,11 @@
             </a:pPr>
             <a:r>
               <a:rPr lang="en-US" sz="2000" dirty="0"/>
-              <a:t>Wednesday, October 23</a:t>
+              <a:t>Friday, October 25</a:t>
             </a:r>
             <a:r>
               <a:rPr lang="en-US" sz="2000" baseline="30000" dirty="0"/>
-              <a:t>rd</a:t>
+              <a:t>th</a:t>
             </a:r>
             <a:r>
               <a:rPr lang="en-US" sz="2000" dirty="0"/>
@@ -5179,7 +5351,7 @@
             </a:pPr>
             <a:r>
               <a:rPr lang="en-US" sz="2000" dirty="0"/>
-              <a:t>Assignment for Next Class</a:t>
+              <a:t>Assignment Q&amp;A</a:t>
             </a:r>
           </a:p>
           <a:p>
@@ -5192,7 +5364,7 @@
             </a:pPr>
             <a:r>
               <a:rPr lang="en-US" sz="2000" dirty="0"/>
-              <a:t>Recall Start, Stop, Continue Feedback</a:t>
+              <a:t>Assignment for Next Class</a:t>
             </a:r>
           </a:p>
           <a:p>
@@ -5287,6 +5459,264 @@
       </p:grpSpPr>
       <p:sp>
         <p:nvSpPr>
+          <p:cNvPr id="2" name="Title 1"/>
+          <p:cNvSpPr>
+            <a:spLocks noGrp="1"/>
+          </p:cNvSpPr>
+          <p:nvPr>
+            <p:ph type="ctrTitle"/>
+          </p:nvPr>
+        </p:nvSpPr>
+        <p:spPr>
+          <a:xfrm>
+            <a:off x="1524000" y="3072434"/>
+            <a:ext cx="9144000" cy="713132"/>
+          </a:xfrm>
+        </p:spPr>
+        <p:txBody>
+          <a:bodyPr anchor="ctr">
+            <a:noAutofit/>
+          </a:bodyPr>
+          <a:lstStyle/>
+          <a:p>
+            <a:r>
+              <a:rPr lang="en-US" sz="4000" dirty="0"/>
+              <a:t>Web Services, REST, and CORs</a:t>
+            </a:r>
+          </a:p>
+        </p:txBody>
+      </p:sp>
+    </p:spTree>
+    <p:extLst>
+      <p:ext uri="{BB962C8B-B14F-4D97-AF65-F5344CB8AC3E}">
+        <p14:creationId xmlns:p14="http://schemas.microsoft.com/office/powerpoint/2010/main" val="2239139863"/>
+      </p:ext>
+    </p:extLst>
+  </p:cSld>
+  <p:clrMapOvr>
+    <a:masterClrMapping/>
+  </p:clrMapOvr>
+</p:sld>
+</file>
+
+<file path=ppt/slides/slide11.xml><?xml version="1.0" encoding="utf-8"?>
+<p:sld xmlns:a="http://schemas.openxmlformats.org/drawingml/2006/main" xmlns:r="http://schemas.openxmlformats.org/officeDocument/2006/relationships" xmlns:p="http://schemas.openxmlformats.org/presentationml/2006/main">
+  <p:cSld>
+    <p:spTree>
+      <p:nvGrpSpPr>
+        <p:cNvPr id="1" name=""/>
+        <p:cNvGrpSpPr/>
+        <p:nvPr/>
+      </p:nvGrpSpPr>
+      <p:grpSpPr>
+        <a:xfrm>
+          <a:off x="0" y="0"/>
+          <a:ext cx="0" cy="0"/>
+          <a:chOff x="0" y="0"/>
+          <a:chExt cx="0" cy="0"/>
+        </a:xfrm>
+      </p:grpSpPr>
+      <p:sp>
+        <p:nvSpPr>
+          <p:cNvPr id="4" name="Title 1">
+            <a:extLst>
+              <a:ext uri="{FF2B5EF4-FFF2-40B4-BE49-F238E27FC236}">
+                <a16:creationId xmlns:a16="http://schemas.microsoft.com/office/drawing/2014/main" id="{527CE47F-3EF6-48CA-9239-E8B6E5C6B41A}"/>
+              </a:ext>
+            </a:extLst>
+          </p:cNvPr>
+          <p:cNvSpPr>
+            <a:spLocks noGrp="1"/>
+          </p:cNvSpPr>
+          <p:nvPr>
+            <p:ph type="title"/>
+          </p:nvPr>
+        </p:nvSpPr>
+        <p:spPr>
+          <a:xfrm>
+            <a:off x="838200" y="365125"/>
+            <a:ext cx="10515600" cy="1325563"/>
+          </a:xfrm>
+        </p:spPr>
+        <p:txBody>
+          <a:bodyPr>
+            <a:normAutofit/>
+          </a:bodyPr>
+          <a:lstStyle/>
+          <a:p>
+            <a:r>
+              <a:rPr lang="en-US" sz="3600" dirty="0">
+                <a:latin typeface="+mn-lt"/>
+              </a:rPr>
+              <a:t>Web Services</a:t>
+            </a:r>
+          </a:p>
+        </p:txBody>
+      </p:sp>
+      <p:sp>
+        <p:nvSpPr>
+          <p:cNvPr id="3" name="Rectangle 2">
+            <a:extLst>
+              <a:ext uri="{FF2B5EF4-FFF2-40B4-BE49-F238E27FC236}">
+                <a16:creationId xmlns:a16="http://schemas.microsoft.com/office/drawing/2014/main" id="{6D4E1A95-16DC-4582-B3DE-CCF6667D032F}"/>
+              </a:ext>
+            </a:extLst>
+          </p:cNvPr>
+          <p:cNvSpPr/>
+          <p:nvPr/>
+        </p:nvSpPr>
+        <p:spPr>
+          <a:xfrm>
+            <a:off x="752475" y="1614309"/>
+            <a:ext cx="10515600" cy="2585323"/>
+          </a:xfrm>
+          <a:prstGeom prst="rect">
+            <a:avLst/>
+          </a:prstGeom>
+        </p:spPr>
+        <p:txBody>
+          <a:bodyPr wrap="square">
+            <a:spAutoFit/>
+          </a:bodyPr>
+          <a:lstStyle/>
+          <a:p>
+            <a:r>
+              <a:rPr lang="en-US" dirty="0"/>
+              <a:t>In a web service, the Web technology such as </a:t>
+            </a:r>
+            <a:r>
+              <a:rPr lang="en-US" dirty="0">
+                <a:hlinkClick r:id="rId3" tooltip="HTTP"/>
+              </a:rPr>
+              <a:t>HTTP</a:t>
+            </a:r>
+            <a:r>
+              <a:rPr lang="en-US" dirty="0"/>
+              <a:t>—originally designed for human-to-machine communication—is utilized for machine-to-machine communication, more specifically for transferring machine-readable file formats such as </a:t>
+            </a:r>
+            <a:r>
+              <a:rPr lang="en-US" dirty="0">
+                <a:hlinkClick r:id="rId4" tooltip="XML"/>
+              </a:rPr>
+              <a:t>XML</a:t>
+            </a:r>
+            <a:r>
+              <a:rPr lang="en-US" dirty="0"/>
+              <a:t> and </a:t>
+            </a:r>
+            <a:r>
+              <a:rPr lang="en-US" dirty="0">
+                <a:hlinkClick r:id="rId5" tooltip="JSON"/>
+              </a:rPr>
+              <a:t>JSON</a:t>
+            </a:r>
+            <a:r>
+              <a:rPr lang="en-US" dirty="0"/>
+              <a:t>.</a:t>
+            </a:r>
+          </a:p>
+          <a:p>
+            <a:endParaRPr lang="en-US" dirty="0"/>
+          </a:p>
+          <a:p>
+            <a:r>
+              <a:rPr lang="en-US" dirty="0"/>
+              <a:t>In practice, a web service commonly provides an </a:t>
+            </a:r>
+            <a:r>
+              <a:rPr lang="en-US" dirty="0">
+                <a:hlinkClick r:id="rId6" tooltip="Object database"/>
+              </a:rPr>
+              <a:t>object-oriented</a:t>
+            </a:r>
+            <a:r>
+              <a:rPr lang="en-US" dirty="0"/>
+              <a:t> web-based interface to a database server, utilized for example by another web server, or by a </a:t>
+            </a:r>
+            <a:r>
+              <a:rPr lang="en-US" dirty="0">
+                <a:hlinkClick r:id="rId7" tooltip="Mobile app development"/>
+              </a:rPr>
+              <a:t>mobile app</a:t>
+            </a:r>
+            <a:r>
+              <a:rPr lang="en-US" dirty="0"/>
+              <a:t>, that provides a user interface to the end user. </a:t>
+            </a:r>
+          </a:p>
+          <a:p>
+            <a:endParaRPr lang="en-US" dirty="0"/>
+          </a:p>
+          <a:p>
+            <a:r>
+              <a:rPr lang="en-US" dirty="0"/>
+              <a:t>Many organizations that provide data in formatted HTML pages will also provide that data on their server as XML or JSON, often through a web service to allow syndication</a:t>
+            </a:r>
+          </a:p>
+        </p:txBody>
+      </p:sp>
+      <p:pic>
+        <p:nvPicPr>
+          <p:cNvPr id="6" name="Picture 5">
+            <a:extLst>
+              <a:ext uri="{FF2B5EF4-FFF2-40B4-BE49-F238E27FC236}">
+                <a16:creationId xmlns:a16="http://schemas.microsoft.com/office/drawing/2014/main" id="{2CE7C933-0F89-420D-9B13-0331165A1E50}"/>
+              </a:ext>
+            </a:extLst>
+          </p:cNvPr>
+          <p:cNvPicPr>
+            <a:picLocks noChangeAspect="1"/>
+          </p:cNvPicPr>
+          <p:nvPr/>
+        </p:nvPicPr>
+        <p:blipFill>
+          <a:blip r:embed="rId8"/>
+          <a:stretch>
+            <a:fillRect/>
+          </a:stretch>
+        </p:blipFill>
+        <p:spPr>
+          <a:xfrm>
+            <a:off x="10765403" y="59830"/>
+            <a:ext cx="1290389" cy="1420356"/>
+          </a:xfrm>
+          <a:prstGeom prst="rect">
+            <a:avLst/>
+          </a:prstGeom>
+        </p:spPr>
+      </p:pic>
+    </p:spTree>
+    <p:extLst>
+      <p:ext uri="{BB962C8B-B14F-4D97-AF65-F5344CB8AC3E}">
+        <p14:creationId xmlns:p14="http://schemas.microsoft.com/office/powerpoint/2010/main" val="1887818089"/>
+      </p:ext>
+    </p:extLst>
+  </p:cSld>
+  <p:clrMapOvr>
+    <a:masterClrMapping/>
+  </p:clrMapOvr>
+</p:sld>
+</file>
+
+<file path=ppt/slides/slide12.xml><?xml version="1.0" encoding="utf-8"?>
+<p:sld xmlns:a="http://schemas.openxmlformats.org/drawingml/2006/main" xmlns:r="http://schemas.openxmlformats.org/officeDocument/2006/relationships" xmlns:p="http://schemas.openxmlformats.org/presentationml/2006/main">
+  <p:cSld>
+    <p:spTree>
+      <p:nvGrpSpPr>
+        <p:cNvPr id="1" name=""/>
+        <p:cNvGrpSpPr/>
+        <p:nvPr/>
+      </p:nvGrpSpPr>
+      <p:grpSpPr>
+        <a:xfrm>
+          <a:off x="0" y="0"/>
+          <a:ext cx="0" cy="0"/>
+          <a:chOff x="0" y="0"/>
+          <a:chExt cx="0" cy="0"/>
+        </a:xfrm>
+      </p:grpSpPr>
+      <p:sp>
+        <p:nvSpPr>
           <p:cNvPr id="4" name="Title 1">
             <a:extLst>
               <a:ext uri="{FF2B5EF4-FFF2-40B4-BE49-F238E27FC236}">
@@ -5417,7 +5847,7 @@
 </p:sld>
 </file>
 
-<file path=ppt/slides/slide11.xml><?xml version="1.0" encoding="utf-8"?>
+<file path=ppt/slides/slide13.xml><?xml version="1.0" encoding="utf-8"?>
 <p:sld xmlns:a="http://schemas.openxmlformats.org/drawingml/2006/main" xmlns:r="http://schemas.openxmlformats.org/officeDocument/2006/relationships" xmlns:p="http://schemas.openxmlformats.org/presentationml/2006/main">
   <p:cSld>
     <p:spTree>
@@ -5722,7 +6152,7 @@
 </p:sld>
 </file>
 
-<file path=ppt/slides/slide12.xml><?xml version="1.0" encoding="utf-8"?>
+<file path=ppt/slides/slide14.xml><?xml version="1.0" encoding="utf-8"?>
 <p:sld xmlns:a="http://schemas.openxmlformats.org/drawingml/2006/main" xmlns:r="http://schemas.openxmlformats.org/officeDocument/2006/relationships" xmlns:p="http://schemas.openxmlformats.org/presentationml/2006/main">
   <p:cSld>
     <p:spTree>
@@ -5825,7 +6255,7 @@
 </p:sld>
 </file>
 
-<file path=ppt/slides/slide13.xml><?xml version="1.0" encoding="utf-8"?>
+<file path=ppt/slides/slide15.xml><?xml version="1.0" encoding="utf-8"?>
 <p:sld xmlns:a="http://schemas.openxmlformats.org/drawingml/2006/main" xmlns:r="http://schemas.openxmlformats.org/officeDocument/2006/relationships" xmlns:p="http://schemas.openxmlformats.org/presentationml/2006/main">
   <p:cSld>
     <p:spTree>
@@ -6270,7 +6700,7 @@
 </p:sld>
 </file>
 
-<file path=ppt/slides/slide14.xml><?xml version="1.0" encoding="utf-8"?>
+<file path=ppt/slides/slide16.xml><?xml version="1.0" encoding="utf-8"?>
 <p:sld xmlns:a="http://schemas.openxmlformats.org/drawingml/2006/main" xmlns:r="http://schemas.openxmlformats.org/officeDocument/2006/relationships" xmlns:p="http://schemas.openxmlformats.org/presentationml/2006/main">
   <p:cSld>
     <p:spTree>
@@ -6383,7 +6813,7 @@
 </p:sld>
 </file>
 
-<file path=ppt/slides/slide15.xml><?xml version="1.0" encoding="utf-8"?>
+<file path=ppt/slides/slide17.xml><?xml version="1.0" encoding="utf-8"?>
 <p:sld xmlns:a="http://schemas.openxmlformats.org/drawingml/2006/main" xmlns:r="http://schemas.openxmlformats.org/officeDocument/2006/relationships" xmlns:p="http://schemas.openxmlformats.org/presentationml/2006/main">
   <p:cSld>
     <p:bg>
@@ -6452,7 +6882,7 @@
 </p:sld>
 </file>
 
-<file path=ppt/slides/slide16.xml><?xml version="1.0" encoding="utf-8"?>
+<file path=ppt/slides/slide18.xml><?xml version="1.0" encoding="utf-8"?>
 <p:sld xmlns:a="http://schemas.openxmlformats.org/drawingml/2006/main" xmlns:r="http://schemas.openxmlformats.org/officeDocument/2006/relationships" xmlns:p="http://schemas.openxmlformats.org/presentationml/2006/main">
   <p:cSld>
     <p:spTree>
@@ -6627,7 +7057,7 @@
 </p:sld>
 </file>
 
-<file path=ppt/slides/slide17.xml><?xml version="1.0" encoding="utf-8"?>
+<file path=ppt/slides/slide19.xml><?xml version="1.0" encoding="utf-8"?>
 <p:sld xmlns:a="http://schemas.openxmlformats.org/drawingml/2006/main" xmlns:r="http://schemas.openxmlformats.org/officeDocument/2006/relationships" xmlns:p="http://schemas.openxmlformats.org/presentationml/2006/main">
   <p:cSld>
     <p:spTree>
@@ -7059,416 +7489,6 @@
 </p:sld>
 </file>
 
-<file path=ppt/slides/slide18.xml><?xml version="1.0" encoding="utf-8"?>
-<p:sld xmlns:a="http://schemas.openxmlformats.org/drawingml/2006/main" xmlns:r="http://schemas.openxmlformats.org/officeDocument/2006/relationships" xmlns:p="http://schemas.openxmlformats.org/presentationml/2006/main">
-  <p:cSld>
-    <p:spTree>
-      <p:nvGrpSpPr>
-        <p:cNvPr id="1" name=""/>
-        <p:cNvGrpSpPr/>
-        <p:nvPr/>
-      </p:nvGrpSpPr>
-      <p:grpSpPr>
-        <a:xfrm>
-          <a:off x="0" y="0"/>
-          <a:ext cx="0" cy="0"/>
-          <a:chOff x="0" y="0"/>
-          <a:chExt cx="0" cy="0"/>
-        </a:xfrm>
-      </p:grpSpPr>
-      <p:sp>
-        <p:nvSpPr>
-          <p:cNvPr id="4" name="Title 1">
-            <a:extLst>
-              <a:ext uri="{FF2B5EF4-FFF2-40B4-BE49-F238E27FC236}">
-                <a16:creationId xmlns:a16="http://schemas.microsoft.com/office/drawing/2014/main" id="{527CE47F-3EF6-48CA-9239-E8B6E5C6B41A}"/>
-              </a:ext>
-            </a:extLst>
-          </p:cNvPr>
-          <p:cNvSpPr>
-            <a:spLocks noGrp="1"/>
-          </p:cNvSpPr>
-          <p:nvPr>
-            <p:ph type="title"/>
-          </p:nvPr>
-        </p:nvSpPr>
-        <p:spPr>
-          <a:xfrm>
-            <a:off x="473723" y="963877"/>
-            <a:ext cx="3722573" cy="4930246"/>
-          </a:xfrm>
-        </p:spPr>
-        <p:txBody>
-          <a:bodyPr>
-            <a:normAutofit/>
-          </a:bodyPr>
-          <a:lstStyle/>
-          <a:p>
-            <a:pPr algn="r"/>
-            <a:r>
-              <a:rPr lang="en-US" dirty="0">
-                <a:solidFill>
-                  <a:schemeClr val="accent1"/>
-                </a:solidFill>
-              </a:rPr>
-              <a:t>People, Process, </a:t>
-            </a:r>
-            <a:br>
-              <a:rPr lang="en-US" dirty="0">
-                <a:solidFill>
-                  <a:schemeClr val="accent1"/>
-                </a:solidFill>
-              </a:rPr>
-            </a:br>
-            <a:r>
-              <a:rPr lang="en-US" dirty="0">
-                <a:solidFill>
-                  <a:schemeClr val="accent1"/>
-                </a:solidFill>
-              </a:rPr>
-              <a:t>and Technology</a:t>
-            </a:r>
-            <a:br>
-              <a:rPr lang="en-US" dirty="0">
-                <a:solidFill>
-                  <a:schemeClr val="accent1"/>
-                </a:solidFill>
-              </a:rPr>
-            </a:br>
-            <a:r>
-              <a:rPr lang="en-US" dirty="0">
-                <a:solidFill>
-                  <a:schemeClr val="accent1"/>
-                </a:solidFill>
-              </a:rPr>
-              <a:t>	</a:t>
-            </a:r>
-          </a:p>
-        </p:txBody>
-      </p:sp>
-      <p:sp>
-        <p:nvSpPr>
-          <p:cNvPr id="5" name="Content Placeholder 2">
-            <a:extLst>
-              <a:ext uri="{FF2B5EF4-FFF2-40B4-BE49-F238E27FC236}">
-                <a16:creationId xmlns:a16="http://schemas.microsoft.com/office/drawing/2014/main" id="{E8F0EA9A-219C-40FD-AE36-784EE1B77D56}"/>
-              </a:ext>
-            </a:extLst>
-          </p:cNvPr>
-          <p:cNvSpPr>
-            <a:spLocks noGrp="1"/>
-          </p:cNvSpPr>
-          <p:nvPr>
-            <p:ph idx="1"/>
-          </p:nvPr>
-        </p:nvSpPr>
-        <p:spPr>
-          <a:xfrm>
-            <a:off x="4976031" y="963877"/>
-            <a:ext cx="6377769" cy="4930246"/>
-          </a:xfrm>
-        </p:spPr>
-        <p:txBody>
-          <a:bodyPr anchor="ctr">
-            <a:normAutofit/>
-          </a:bodyPr>
-          <a:lstStyle/>
-          <a:p>
-            <a:pPr marL="0" indent="0">
-              <a:buNone/>
-            </a:pPr>
-            <a:r>
-              <a:rPr lang="en-US" b="1" dirty="0"/>
-              <a:t>Software Engineering:</a:t>
-            </a:r>
-          </a:p>
-          <a:p>
-            <a:pPr marL="0" indent="0">
-              <a:spcBef>
-                <a:spcPts val="1800"/>
-              </a:spcBef>
-              <a:buNone/>
-            </a:pPr>
-            <a:r>
-              <a:rPr lang="en-US" sz="2400" u="sng" dirty="0"/>
-              <a:t>People</a:t>
-            </a:r>
-            <a:r>
-              <a:rPr lang="en-US" sz="2400" dirty="0"/>
-              <a:t>: Teams, Engagement, Optimism, Ambition, Dedication, Leadership, Skills, Experience, and Domain Knowledge</a:t>
-            </a:r>
-          </a:p>
-          <a:p>
-            <a:pPr marL="0" indent="0">
-              <a:spcBef>
-                <a:spcPts val="1800"/>
-              </a:spcBef>
-              <a:buNone/>
-            </a:pPr>
-            <a:r>
-              <a:rPr lang="en-US" sz="2400" u="sng" dirty="0"/>
-              <a:t>Process</a:t>
-            </a:r>
-            <a:r>
-              <a:rPr lang="en-US" sz="2400" dirty="0"/>
-              <a:t>: Waterfall/Iterative/Agile, Portfolio Management, Project Management, Funding, Prioritization, and Metrics</a:t>
-            </a:r>
-          </a:p>
-          <a:p>
-            <a:pPr marL="0" indent="0">
-              <a:spcBef>
-                <a:spcPts val="1800"/>
-              </a:spcBef>
-              <a:buNone/>
-            </a:pPr>
-            <a:r>
-              <a:rPr lang="en-US" sz="2400" u="sng" dirty="0"/>
-              <a:t>Technology</a:t>
-            </a:r>
-            <a:r>
-              <a:rPr lang="en-US" sz="2400" dirty="0"/>
-              <a:t>: Programming Languages, Object-Oriented Programming, Configuration Management, Cloud Hosting, Scriptable Infrastructure, Source Code Management, and Automated Testing</a:t>
-            </a:r>
-            <a:endParaRPr lang="en-US" sz="2400" b="1" dirty="0"/>
-          </a:p>
-          <a:p>
-            <a:pPr marL="0" indent="0">
-              <a:buNone/>
-            </a:pPr>
-            <a:endParaRPr lang="en-US" sz="2400" b="1" dirty="0"/>
-          </a:p>
-        </p:txBody>
-      </p:sp>
-    </p:spTree>
-    <p:extLst>
-      <p:ext uri="{BB962C8B-B14F-4D97-AF65-F5344CB8AC3E}">
-        <p14:creationId xmlns:p14="http://schemas.microsoft.com/office/powerpoint/2010/main" val="625266363"/>
-      </p:ext>
-    </p:extLst>
-  </p:cSld>
-  <p:clrMapOvr>
-    <a:masterClrMapping/>
-  </p:clrMapOvr>
-</p:sld>
-</file>
-
-<file path=ppt/slides/slide19.xml><?xml version="1.0" encoding="utf-8"?>
-<p:sld xmlns:a="http://schemas.openxmlformats.org/drawingml/2006/main" xmlns:r="http://schemas.openxmlformats.org/officeDocument/2006/relationships" xmlns:p="http://schemas.openxmlformats.org/presentationml/2006/main">
-  <p:cSld>
-    <p:spTree>
-      <p:nvGrpSpPr>
-        <p:cNvPr id="1" name=""/>
-        <p:cNvGrpSpPr/>
-        <p:nvPr/>
-      </p:nvGrpSpPr>
-      <p:grpSpPr>
-        <a:xfrm>
-          <a:off x="0" y="0"/>
-          <a:ext cx="0" cy="0"/>
-          <a:chOff x="0" y="0"/>
-          <a:chExt cx="0" cy="0"/>
-        </a:xfrm>
-      </p:grpSpPr>
-      <p:sp>
-        <p:nvSpPr>
-          <p:cNvPr id="4" name="Title 1">
-            <a:extLst>
-              <a:ext uri="{FF2B5EF4-FFF2-40B4-BE49-F238E27FC236}">
-                <a16:creationId xmlns:a16="http://schemas.microsoft.com/office/drawing/2014/main" id="{527CE47F-3EF6-48CA-9239-E8B6E5C6B41A}"/>
-              </a:ext>
-            </a:extLst>
-          </p:cNvPr>
-          <p:cNvSpPr>
-            <a:spLocks noGrp="1"/>
-          </p:cNvSpPr>
-          <p:nvPr>
-            <p:ph type="title"/>
-          </p:nvPr>
-        </p:nvSpPr>
-        <p:spPr>
-          <a:xfrm>
-            <a:off x="473723" y="963877"/>
-            <a:ext cx="3722573" cy="4930246"/>
-          </a:xfrm>
-        </p:spPr>
-        <p:txBody>
-          <a:bodyPr>
-            <a:normAutofit/>
-          </a:bodyPr>
-          <a:lstStyle/>
-          <a:p>
-            <a:pPr algn="r"/>
-            <a:r>
-              <a:rPr lang="en-US" dirty="0">
-                <a:solidFill>
-                  <a:schemeClr val="accent1"/>
-                </a:solidFill>
-              </a:rPr>
-              <a:t>People, Process, </a:t>
-            </a:r>
-            <a:br>
-              <a:rPr lang="en-US" dirty="0">
-                <a:solidFill>
-                  <a:schemeClr val="accent1"/>
-                </a:solidFill>
-              </a:rPr>
-            </a:br>
-            <a:r>
-              <a:rPr lang="en-US" dirty="0">
-                <a:solidFill>
-                  <a:schemeClr val="accent1"/>
-                </a:solidFill>
-              </a:rPr>
-              <a:t>and Technology</a:t>
-            </a:r>
-            <a:br>
-              <a:rPr lang="en-US" dirty="0">
-                <a:solidFill>
-                  <a:schemeClr val="accent1"/>
-                </a:solidFill>
-              </a:rPr>
-            </a:br>
-            <a:r>
-              <a:rPr lang="en-US" dirty="0">
-                <a:solidFill>
-                  <a:schemeClr val="accent1"/>
-                </a:solidFill>
-              </a:rPr>
-              <a:t>	</a:t>
-            </a:r>
-          </a:p>
-        </p:txBody>
-      </p:sp>
-      <p:sp>
-        <p:nvSpPr>
-          <p:cNvPr id="5" name="Content Placeholder 2">
-            <a:extLst>
-              <a:ext uri="{FF2B5EF4-FFF2-40B4-BE49-F238E27FC236}">
-                <a16:creationId xmlns:a16="http://schemas.microsoft.com/office/drawing/2014/main" id="{E8F0EA9A-219C-40FD-AE36-784EE1B77D56}"/>
-              </a:ext>
-            </a:extLst>
-          </p:cNvPr>
-          <p:cNvSpPr>
-            <a:spLocks noGrp="1"/>
-          </p:cNvSpPr>
-          <p:nvPr>
-            <p:ph idx="1"/>
-          </p:nvPr>
-        </p:nvSpPr>
-        <p:spPr>
-          <a:xfrm>
-            <a:off x="4976031" y="963877"/>
-            <a:ext cx="6377769" cy="4930246"/>
-          </a:xfrm>
-        </p:spPr>
-        <p:txBody>
-          <a:bodyPr anchor="ctr">
-            <a:normAutofit/>
-          </a:bodyPr>
-          <a:lstStyle/>
-          <a:p>
-            <a:pPr marL="0" indent="0">
-              <a:buNone/>
-            </a:pPr>
-            <a:r>
-              <a:rPr lang="en-US" b="1" dirty="0"/>
-              <a:t>Software Engineering:</a:t>
-            </a:r>
-          </a:p>
-          <a:p>
-            <a:pPr marL="0" indent="0">
-              <a:spcBef>
-                <a:spcPts val="1800"/>
-              </a:spcBef>
-              <a:buNone/>
-            </a:pPr>
-            <a:r>
-              <a:rPr lang="en-US" sz="2400" u="sng" dirty="0"/>
-              <a:t>People</a:t>
-            </a:r>
-            <a:r>
-              <a:rPr lang="en-US" sz="2400" dirty="0"/>
-              <a:t>: Teams, Optimism, Engagement, Ambition, Dedication, Leadership, </a:t>
-            </a:r>
-            <a:r>
-              <a:rPr lang="en-US" sz="2400" b="1" i="1" u="sng" dirty="0"/>
-              <a:t>Skills</a:t>
-            </a:r>
-            <a:r>
-              <a:rPr lang="en-US" sz="2400" dirty="0"/>
-              <a:t>, Experience, and Domain Knowledge</a:t>
-            </a:r>
-          </a:p>
-          <a:p>
-            <a:pPr marL="0" indent="0">
-              <a:spcBef>
-                <a:spcPts val="1800"/>
-              </a:spcBef>
-              <a:buNone/>
-            </a:pPr>
-            <a:r>
-              <a:rPr lang="en-US" sz="2400" u="sng" dirty="0"/>
-              <a:t>Process</a:t>
-            </a:r>
-            <a:r>
-              <a:rPr lang="en-US" sz="2400" dirty="0"/>
-              <a:t>: Waterfall/Iterative/</a:t>
-            </a:r>
-            <a:r>
-              <a:rPr lang="en-US" sz="2400" b="1" i="1" u="sng" dirty="0"/>
-              <a:t>Agile</a:t>
-            </a:r>
-            <a:r>
-              <a:rPr lang="en-US" sz="2400" dirty="0"/>
-              <a:t>, Portfolio Management, Project Management, Funding, Prioritization, and Metrics</a:t>
-            </a:r>
-          </a:p>
-          <a:p>
-            <a:pPr marL="0" indent="0">
-              <a:spcBef>
-                <a:spcPts val="1800"/>
-              </a:spcBef>
-              <a:buNone/>
-            </a:pPr>
-            <a:r>
-              <a:rPr lang="en-US" sz="2400" u="sng" dirty="0"/>
-              <a:t>Technology</a:t>
-            </a:r>
-            <a:r>
-              <a:rPr lang="en-US" sz="2400" dirty="0"/>
-              <a:t>: </a:t>
-            </a:r>
-            <a:r>
-              <a:rPr lang="en-US" sz="2400" b="1" i="1" u="sng" dirty="0"/>
-              <a:t>Programming Languages,</a:t>
-            </a:r>
-            <a:r>
-              <a:rPr lang="en-US" sz="2400" dirty="0"/>
-              <a:t> Object-Oriented Programming, Configuration Management, Cloud Hosting, Scriptable Infrastructure, Source Code Management, and Automated Testing</a:t>
-            </a:r>
-            <a:endParaRPr lang="en-US" sz="2400" b="1" dirty="0"/>
-          </a:p>
-          <a:p>
-            <a:pPr marL="0" indent="0">
-              <a:buNone/>
-            </a:pPr>
-            <a:endParaRPr lang="en-US" sz="2400" b="1" dirty="0"/>
-          </a:p>
-        </p:txBody>
-      </p:sp>
-    </p:spTree>
-    <p:extLst>
-      <p:ext uri="{BB962C8B-B14F-4D97-AF65-F5344CB8AC3E}">
-        <p14:creationId xmlns:p14="http://schemas.microsoft.com/office/powerpoint/2010/main" val="871896966"/>
-      </p:ext>
-    </p:extLst>
-  </p:cSld>
-  <p:clrMapOvr>
-    <a:masterClrMapping/>
-  </p:clrMapOvr>
-</p:sld>
-</file>
-
 <file path=ppt/slides/slide2.xml><?xml version="1.0" encoding="utf-8"?>
 <p:sld xmlns:a="http://schemas.openxmlformats.org/drawingml/2006/main" xmlns:r="http://schemas.openxmlformats.org/officeDocument/2006/relationships" xmlns:p="http://schemas.openxmlformats.org/presentationml/2006/main">
   <p:cSld>
@@ -7585,6 +7605,416 @@
 </file>
 
 <file path=ppt/slides/slide20.xml><?xml version="1.0" encoding="utf-8"?>
+<p:sld xmlns:a="http://schemas.openxmlformats.org/drawingml/2006/main" xmlns:r="http://schemas.openxmlformats.org/officeDocument/2006/relationships" xmlns:p="http://schemas.openxmlformats.org/presentationml/2006/main">
+  <p:cSld>
+    <p:spTree>
+      <p:nvGrpSpPr>
+        <p:cNvPr id="1" name=""/>
+        <p:cNvGrpSpPr/>
+        <p:nvPr/>
+      </p:nvGrpSpPr>
+      <p:grpSpPr>
+        <a:xfrm>
+          <a:off x="0" y="0"/>
+          <a:ext cx="0" cy="0"/>
+          <a:chOff x="0" y="0"/>
+          <a:chExt cx="0" cy="0"/>
+        </a:xfrm>
+      </p:grpSpPr>
+      <p:sp>
+        <p:nvSpPr>
+          <p:cNvPr id="4" name="Title 1">
+            <a:extLst>
+              <a:ext uri="{FF2B5EF4-FFF2-40B4-BE49-F238E27FC236}">
+                <a16:creationId xmlns:a16="http://schemas.microsoft.com/office/drawing/2014/main" id="{527CE47F-3EF6-48CA-9239-E8B6E5C6B41A}"/>
+              </a:ext>
+            </a:extLst>
+          </p:cNvPr>
+          <p:cNvSpPr>
+            <a:spLocks noGrp="1"/>
+          </p:cNvSpPr>
+          <p:nvPr>
+            <p:ph type="title"/>
+          </p:nvPr>
+        </p:nvSpPr>
+        <p:spPr>
+          <a:xfrm>
+            <a:off x="473723" y="963877"/>
+            <a:ext cx="3722573" cy="4930246"/>
+          </a:xfrm>
+        </p:spPr>
+        <p:txBody>
+          <a:bodyPr>
+            <a:normAutofit/>
+          </a:bodyPr>
+          <a:lstStyle/>
+          <a:p>
+            <a:pPr algn="r"/>
+            <a:r>
+              <a:rPr lang="en-US" dirty="0">
+                <a:solidFill>
+                  <a:schemeClr val="accent1"/>
+                </a:solidFill>
+              </a:rPr>
+              <a:t>People, Process, </a:t>
+            </a:r>
+            <a:br>
+              <a:rPr lang="en-US" dirty="0">
+                <a:solidFill>
+                  <a:schemeClr val="accent1"/>
+                </a:solidFill>
+              </a:rPr>
+            </a:br>
+            <a:r>
+              <a:rPr lang="en-US" dirty="0">
+                <a:solidFill>
+                  <a:schemeClr val="accent1"/>
+                </a:solidFill>
+              </a:rPr>
+              <a:t>and Technology</a:t>
+            </a:r>
+            <a:br>
+              <a:rPr lang="en-US" dirty="0">
+                <a:solidFill>
+                  <a:schemeClr val="accent1"/>
+                </a:solidFill>
+              </a:rPr>
+            </a:br>
+            <a:r>
+              <a:rPr lang="en-US" dirty="0">
+                <a:solidFill>
+                  <a:schemeClr val="accent1"/>
+                </a:solidFill>
+              </a:rPr>
+              <a:t>	</a:t>
+            </a:r>
+          </a:p>
+        </p:txBody>
+      </p:sp>
+      <p:sp>
+        <p:nvSpPr>
+          <p:cNvPr id="5" name="Content Placeholder 2">
+            <a:extLst>
+              <a:ext uri="{FF2B5EF4-FFF2-40B4-BE49-F238E27FC236}">
+                <a16:creationId xmlns:a16="http://schemas.microsoft.com/office/drawing/2014/main" id="{E8F0EA9A-219C-40FD-AE36-784EE1B77D56}"/>
+              </a:ext>
+            </a:extLst>
+          </p:cNvPr>
+          <p:cNvSpPr>
+            <a:spLocks noGrp="1"/>
+          </p:cNvSpPr>
+          <p:nvPr>
+            <p:ph idx="1"/>
+          </p:nvPr>
+        </p:nvSpPr>
+        <p:spPr>
+          <a:xfrm>
+            <a:off x="4976031" y="963877"/>
+            <a:ext cx="6377769" cy="4930246"/>
+          </a:xfrm>
+        </p:spPr>
+        <p:txBody>
+          <a:bodyPr anchor="ctr">
+            <a:normAutofit/>
+          </a:bodyPr>
+          <a:lstStyle/>
+          <a:p>
+            <a:pPr marL="0" indent="0">
+              <a:buNone/>
+            </a:pPr>
+            <a:r>
+              <a:rPr lang="en-US" b="1" dirty="0"/>
+              <a:t>Software Engineering:</a:t>
+            </a:r>
+          </a:p>
+          <a:p>
+            <a:pPr marL="0" indent="0">
+              <a:spcBef>
+                <a:spcPts val="1800"/>
+              </a:spcBef>
+              <a:buNone/>
+            </a:pPr>
+            <a:r>
+              <a:rPr lang="en-US" sz="2400" u="sng" dirty="0"/>
+              <a:t>People</a:t>
+            </a:r>
+            <a:r>
+              <a:rPr lang="en-US" sz="2400" dirty="0"/>
+              <a:t>: Teams, Engagement, Optimism, Ambition, Dedication, Leadership, Skills, Experience, and Domain Knowledge</a:t>
+            </a:r>
+          </a:p>
+          <a:p>
+            <a:pPr marL="0" indent="0">
+              <a:spcBef>
+                <a:spcPts val="1800"/>
+              </a:spcBef>
+              <a:buNone/>
+            </a:pPr>
+            <a:r>
+              <a:rPr lang="en-US" sz="2400" u="sng" dirty="0"/>
+              <a:t>Process</a:t>
+            </a:r>
+            <a:r>
+              <a:rPr lang="en-US" sz="2400" dirty="0"/>
+              <a:t>: Waterfall/Iterative/Agile, Portfolio Management, Project Management, Funding, Prioritization, and Metrics</a:t>
+            </a:r>
+          </a:p>
+          <a:p>
+            <a:pPr marL="0" indent="0">
+              <a:spcBef>
+                <a:spcPts val="1800"/>
+              </a:spcBef>
+              <a:buNone/>
+            </a:pPr>
+            <a:r>
+              <a:rPr lang="en-US" sz="2400" u="sng" dirty="0"/>
+              <a:t>Technology</a:t>
+            </a:r>
+            <a:r>
+              <a:rPr lang="en-US" sz="2400" dirty="0"/>
+              <a:t>: Programming Languages, Object-Oriented Programming, Configuration Management, Cloud Hosting, Scriptable Infrastructure, Source Code Management, and Automated Testing</a:t>
+            </a:r>
+            <a:endParaRPr lang="en-US" sz="2400" b="1" dirty="0"/>
+          </a:p>
+          <a:p>
+            <a:pPr marL="0" indent="0">
+              <a:buNone/>
+            </a:pPr>
+            <a:endParaRPr lang="en-US" sz="2400" b="1" dirty="0"/>
+          </a:p>
+        </p:txBody>
+      </p:sp>
+    </p:spTree>
+    <p:extLst>
+      <p:ext uri="{BB962C8B-B14F-4D97-AF65-F5344CB8AC3E}">
+        <p14:creationId xmlns:p14="http://schemas.microsoft.com/office/powerpoint/2010/main" val="625266363"/>
+      </p:ext>
+    </p:extLst>
+  </p:cSld>
+  <p:clrMapOvr>
+    <a:masterClrMapping/>
+  </p:clrMapOvr>
+</p:sld>
+</file>
+
+<file path=ppt/slides/slide21.xml><?xml version="1.0" encoding="utf-8"?>
+<p:sld xmlns:a="http://schemas.openxmlformats.org/drawingml/2006/main" xmlns:r="http://schemas.openxmlformats.org/officeDocument/2006/relationships" xmlns:p="http://schemas.openxmlformats.org/presentationml/2006/main">
+  <p:cSld>
+    <p:spTree>
+      <p:nvGrpSpPr>
+        <p:cNvPr id="1" name=""/>
+        <p:cNvGrpSpPr/>
+        <p:nvPr/>
+      </p:nvGrpSpPr>
+      <p:grpSpPr>
+        <a:xfrm>
+          <a:off x="0" y="0"/>
+          <a:ext cx="0" cy="0"/>
+          <a:chOff x="0" y="0"/>
+          <a:chExt cx="0" cy="0"/>
+        </a:xfrm>
+      </p:grpSpPr>
+      <p:sp>
+        <p:nvSpPr>
+          <p:cNvPr id="4" name="Title 1">
+            <a:extLst>
+              <a:ext uri="{FF2B5EF4-FFF2-40B4-BE49-F238E27FC236}">
+                <a16:creationId xmlns:a16="http://schemas.microsoft.com/office/drawing/2014/main" id="{527CE47F-3EF6-48CA-9239-E8B6E5C6B41A}"/>
+              </a:ext>
+            </a:extLst>
+          </p:cNvPr>
+          <p:cNvSpPr>
+            <a:spLocks noGrp="1"/>
+          </p:cNvSpPr>
+          <p:nvPr>
+            <p:ph type="title"/>
+          </p:nvPr>
+        </p:nvSpPr>
+        <p:spPr>
+          <a:xfrm>
+            <a:off x="473723" y="963877"/>
+            <a:ext cx="3722573" cy="4930246"/>
+          </a:xfrm>
+        </p:spPr>
+        <p:txBody>
+          <a:bodyPr>
+            <a:normAutofit/>
+          </a:bodyPr>
+          <a:lstStyle/>
+          <a:p>
+            <a:pPr algn="r"/>
+            <a:r>
+              <a:rPr lang="en-US" dirty="0">
+                <a:solidFill>
+                  <a:schemeClr val="accent1"/>
+                </a:solidFill>
+              </a:rPr>
+              <a:t>People, Process, </a:t>
+            </a:r>
+            <a:br>
+              <a:rPr lang="en-US" dirty="0">
+                <a:solidFill>
+                  <a:schemeClr val="accent1"/>
+                </a:solidFill>
+              </a:rPr>
+            </a:br>
+            <a:r>
+              <a:rPr lang="en-US" dirty="0">
+                <a:solidFill>
+                  <a:schemeClr val="accent1"/>
+                </a:solidFill>
+              </a:rPr>
+              <a:t>and Technology</a:t>
+            </a:r>
+            <a:br>
+              <a:rPr lang="en-US" dirty="0">
+                <a:solidFill>
+                  <a:schemeClr val="accent1"/>
+                </a:solidFill>
+              </a:rPr>
+            </a:br>
+            <a:r>
+              <a:rPr lang="en-US" dirty="0">
+                <a:solidFill>
+                  <a:schemeClr val="accent1"/>
+                </a:solidFill>
+              </a:rPr>
+              <a:t>	</a:t>
+            </a:r>
+          </a:p>
+        </p:txBody>
+      </p:sp>
+      <p:sp>
+        <p:nvSpPr>
+          <p:cNvPr id="5" name="Content Placeholder 2">
+            <a:extLst>
+              <a:ext uri="{FF2B5EF4-FFF2-40B4-BE49-F238E27FC236}">
+                <a16:creationId xmlns:a16="http://schemas.microsoft.com/office/drawing/2014/main" id="{E8F0EA9A-219C-40FD-AE36-784EE1B77D56}"/>
+              </a:ext>
+            </a:extLst>
+          </p:cNvPr>
+          <p:cNvSpPr>
+            <a:spLocks noGrp="1"/>
+          </p:cNvSpPr>
+          <p:nvPr>
+            <p:ph idx="1"/>
+          </p:nvPr>
+        </p:nvSpPr>
+        <p:spPr>
+          <a:xfrm>
+            <a:off x="4976031" y="963877"/>
+            <a:ext cx="6377769" cy="4930246"/>
+          </a:xfrm>
+        </p:spPr>
+        <p:txBody>
+          <a:bodyPr anchor="ctr">
+            <a:normAutofit/>
+          </a:bodyPr>
+          <a:lstStyle/>
+          <a:p>
+            <a:pPr marL="0" indent="0">
+              <a:buNone/>
+            </a:pPr>
+            <a:r>
+              <a:rPr lang="en-US" b="1" dirty="0"/>
+              <a:t>Software Engineering:</a:t>
+            </a:r>
+          </a:p>
+          <a:p>
+            <a:pPr marL="0" indent="0">
+              <a:spcBef>
+                <a:spcPts val="1800"/>
+              </a:spcBef>
+              <a:buNone/>
+            </a:pPr>
+            <a:r>
+              <a:rPr lang="en-US" sz="2400" u="sng" dirty="0"/>
+              <a:t>People</a:t>
+            </a:r>
+            <a:r>
+              <a:rPr lang="en-US" sz="2400" dirty="0"/>
+              <a:t>: Teams, Optimism, Engagement, Ambition, Dedication, Leadership, </a:t>
+            </a:r>
+            <a:r>
+              <a:rPr lang="en-US" sz="2400" b="1" i="1" u="sng" dirty="0"/>
+              <a:t>Skills</a:t>
+            </a:r>
+            <a:r>
+              <a:rPr lang="en-US" sz="2400" dirty="0"/>
+              <a:t>, Experience, and Domain Knowledge</a:t>
+            </a:r>
+          </a:p>
+          <a:p>
+            <a:pPr marL="0" indent="0">
+              <a:spcBef>
+                <a:spcPts val="1800"/>
+              </a:spcBef>
+              <a:buNone/>
+            </a:pPr>
+            <a:r>
+              <a:rPr lang="en-US" sz="2400" u="sng" dirty="0"/>
+              <a:t>Process</a:t>
+            </a:r>
+            <a:r>
+              <a:rPr lang="en-US" sz="2400" dirty="0"/>
+              <a:t>: Waterfall/Iterative/</a:t>
+            </a:r>
+            <a:r>
+              <a:rPr lang="en-US" sz="2400" b="1" i="1" u="sng" dirty="0"/>
+              <a:t>Agile</a:t>
+            </a:r>
+            <a:r>
+              <a:rPr lang="en-US" sz="2400" dirty="0"/>
+              <a:t>, Portfolio Management, Project Management, Funding, Prioritization, and Metrics</a:t>
+            </a:r>
+          </a:p>
+          <a:p>
+            <a:pPr marL="0" indent="0">
+              <a:spcBef>
+                <a:spcPts val="1800"/>
+              </a:spcBef>
+              <a:buNone/>
+            </a:pPr>
+            <a:r>
+              <a:rPr lang="en-US" sz="2400" u="sng" dirty="0"/>
+              <a:t>Technology</a:t>
+            </a:r>
+            <a:r>
+              <a:rPr lang="en-US" sz="2400" dirty="0"/>
+              <a:t>: </a:t>
+            </a:r>
+            <a:r>
+              <a:rPr lang="en-US" sz="2400" b="1" i="1" u="sng" dirty="0"/>
+              <a:t>Programming Languages,</a:t>
+            </a:r>
+            <a:r>
+              <a:rPr lang="en-US" sz="2400" dirty="0"/>
+              <a:t> Object-Oriented Programming, Configuration Management, Cloud Hosting, Scriptable Infrastructure, Source Code Management, and Automated Testing</a:t>
+            </a:r>
+            <a:endParaRPr lang="en-US" sz="2400" b="1" dirty="0"/>
+          </a:p>
+          <a:p>
+            <a:pPr marL="0" indent="0">
+              <a:buNone/>
+            </a:pPr>
+            <a:endParaRPr lang="en-US" sz="2400" b="1" dirty="0"/>
+          </a:p>
+        </p:txBody>
+      </p:sp>
+    </p:spTree>
+    <p:extLst>
+      <p:ext uri="{BB962C8B-B14F-4D97-AF65-F5344CB8AC3E}">
+        <p14:creationId xmlns:p14="http://schemas.microsoft.com/office/powerpoint/2010/main" val="871896966"/>
+      </p:ext>
+    </p:extLst>
+  </p:cSld>
+  <p:clrMapOvr>
+    <a:masterClrMapping/>
+  </p:clrMapOvr>
+</p:sld>
+</file>
+
+<file path=ppt/slides/slide22.xml><?xml version="1.0" encoding="utf-8"?>
 <p:sld xmlns:a="http://schemas.openxmlformats.org/drawingml/2006/main" xmlns:r="http://schemas.openxmlformats.org/officeDocument/2006/relationships" xmlns:p="http://schemas.openxmlformats.org/presentationml/2006/main">
   <p:cSld>
     <p:spTree>
@@ -7872,7 +8302,7 @@
           <a:graphicData uri="http://schemas.openxmlformats.org/presentationml/2006/ole">
             <mc:AlternateContent xmlns:mc="http://schemas.openxmlformats.org/markup-compatibility/2006">
               <mc:Choice xmlns:v="urn:schemas-microsoft-com:vml" Requires="v">
-                <p:oleObj spid="_x0000_s2061" name="Worksheet" r:id="rId3" imgW="7289800" imgH="7023100" progId="Excel.Sheet.12">
+                <p:oleObj spid="_x0000_s2063" name="Worksheet" r:id="rId3" imgW="7289800" imgH="7023100" progId="Excel.Sheet.12">
                   <p:embed/>
                 </p:oleObj>
               </mc:Choice>
@@ -8114,6 +8544,13 @@
               <a:rPr lang="en-US" sz="4400" dirty="0"/>
               <a:t>Assignment Q&amp;A</a:t>
             </a:r>
+            <a:br>
+              <a:rPr lang="en-US" sz="4400" dirty="0"/>
+            </a:br>
+            <a:r>
+              <a:rPr lang="en-US" sz="4400" dirty="0"/>
+              <a:t>“How does DB5 relate to PA5?”</a:t>
+            </a:r>
           </a:p>
         </p:txBody>
       </p:sp>
@@ -8255,13 +8692,7 @@
       </p:grpSpPr>
       <p:sp>
         <p:nvSpPr>
-          <p:cNvPr id="4" name="Title 1">
-            <a:extLst>
-              <a:ext uri="{FF2B5EF4-FFF2-40B4-BE49-F238E27FC236}">
-                <a16:creationId xmlns:a16="http://schemas.microsoft.com/office/drawing/2014/main" id="{527CE47F-3EF6-48CA-9239-E8B6E5C6B41A}"/>
-              </a:ext>
-            </a:extLst>
-          </p:cNvPr>
+          <p:cNvPr id="2" name="Title 1"/>
           <p:cNvSpPr>
             <a:spLocks noGrp="1"/>
           </p:cNvSpPr>
@@ -8271,8 +8702,8 @@
         </p:nvSpPr>
         <p:spPr>
           <a:xfrm>
-            <a:off x="838200" y="365125"/>
-            <a:ext cx="10515600" cy="1325563"/>
+            <a:off x="838200" y="365126"/>
+            <a:ext cx="10515600" cy="757272"/>
           </a:xfrm>
         </p:spPr>
         <p:txBody>
@@ -8283,20 +8714,15 @@
           <a:p>
             <a:r>
               <a:rPr lang="en-US" sz="3600" dirty="0"/>
-              <a:t>Start, Stop, Continue Retrospective Feedback Model</a:t>
-            </a:r>
-          </a:p>
-        </p:txBody>
-      </p:sp>
-      <p:sp>
-        <p:nvSpPr>
-          <p:cNvPr id="5" name="Content Placeholder 2">
-            <a:extLst>
-              <a:ext uri="{FF2B5EF4-FFF2-40B4-BE49-F238E27FC236}">
-                <a16:creationId xmlns:a16="http://schemas.microsoft.com/office/drawing/2014/main" id="{E8F0EA9A-219C-40FD-AE36-784EE1B77D56}"/>
-              </a:ext>
-            </a:extLst>
-          </p:cNvPr>
+              <a:t>Lab</a:t>
+            </a:r>
+            <a:endParaRPr lang="en-US" sz="3600" b="1" i="1" u="sng" dirty="0"/>
+          </a:p>
+        </p:txBody>
+      </p:sp>
+      <p:sp>
+        <p:nvSpPr>
+          <p:cNvPr id="3" name="Content Placeholder 2"/>
           <p:cNvSpPr>
             <a:spLocks noGrp="1"/>
           </p:cNvSpPr>
@@ -8306,8 +8732,8 @@
         </p:nvSpPr>
         <p:spPr>
           <a:xfrm>
-            <a:off x="838198" y="1690688"/>
-            <a:ext cx="10515601" cy="4486275"/>
+            <a:off x="838200" y="1122399"/>
+            <a:ext cx="10718950" cy="3104544"/>
           </a:xfrm>
         </p:spPr>
         <p:txBody>
@@ -8317,50 +8743,155 @@
           <a:lstStyle/>
           <a:p>
             <a:pPr marL="0" indent="0">
-              <a:spcAft>
-                <a:spcPts val="600"/>
-              </a:spcAft>
               <a:buNone/>
             </a:pPr>
             <a:r>
-              <a:rPr lang="en-US" sz="2000" b="1" u="sng" dirty="0"/>
-              <a:t>Continue</a:t>
-            </a:r>
-            <a:r>
               <a:rPr lang="en-US" sz="2000" dirty="0"/>
-              <a:t>: What is working? Something that we should make sure that we continue to do. </a:t>
+              <a:t>As A Scrum Team:</a:t>
+            </a:r>
+          </a:p>
+          <a:p>
+            <a:pPr marL="457200" indent="-457200">
+              <a:buFont typeface="+mj-lt"/>
+              <a:buAutoNum type="arabicPeriod"/>
+            </a:pPr>
+            <a:r>
+              <a:rPr lang="en-US" sz="2000" dirty="0"/>
+              <a:t>Complete Sprint 4 Retrospective utilizing Start, Stop, Continue methodology (~10 min)</a:t>
+            </a:r>
+          </a:p>
+          <a:p>
+            <a:pPr marL="457200" indent="-457200">
+              <a:buFont typeface="+mj-lt"/>
+              <a:buAutoNum type="arabicPeriod"/>
+            </a:pPr>
+            <a:r>
+              <a:rPr lang="en-US" sz="2000" dirty="0"/>
+              <a:t>Discussion Board 5</a:t>
+            </a:r>
+          </a:p>
+          <a:p>
+            <a:pPr marL="457200" indent="-457200">
+              <a:buFont typeface="+mj-lt"/>
+              <a:buAutoNum type="arabicPeriod"/>
+            </a:pPr>
+            <a:r>
+              <a:rPr lang="en-US" sz="2000" dirty="0"/>
+              <a:t>Work on </a:t>
+            </a:r>
+            <a:r>
+              <a:rPr lang="en-US" sz="2000" dirty="0" err="1"/>
+              <a:t>SwissArmyKnife</a:t>
+            </a:r>
+            <a:r>
+              <a:rPr lang="en-US" sz="2000" dirty="0"/>
+              <a:t> (PA5) </a:t>
+            </a:r>
+          </a:p>
+          <a:p>
+            <a:pPr marL="457200" indent="-457200">
+              <a:buFont typeface="+mj-lt"/>
+              <a:buAutoNum type="arabicPeriod"/>
+            </a:pPr>
+            <a:r>
+              <a:rPr lang="en-US" sz="2000" dirty="0"/>
+              <a:t>Team report out by Scrum Master at 2:48</a:t>
             </a:r>
           </a:p>
           <a:p>
             <a:pPr marL="0" indent="0">
-              <a:spcAft>
-                <a:spcPts val="600"/>
-              </a:spcAft>
               <a:buNone/>
             </a:pPr>
-            <a:r>
-              <a:rPr lang="en-US" sz="2000" b="1" u="sng" dirty="0"/>
-              <a:t>Start</a:t>
-            </a:r>
-            <a:r>
-              <a:rPr lang="en-US" sz="2000" dirty="0"/>
-              <a:t>: What is something that would be nice to do that we are not doing now? Maybe something that you have seen work well in other classes or with other teams. </a:t>
-            </a:r>
+            <a:endParaRPr lang="en-US" sz="2000" dirty="0"/>
           </a:p>
           <a:p>
             <a:pPr marL="0" indent="0">
-              <a:spcAft>
-                <a:spcPts val="600"/>
-              </a:spcAft>
               <a:buNone/>
             </a:pPr>
-            <a:r>
-              <a:rPr lang="en-US" sz="2000" b="1" u="sng" dirty="0"/>
-              <a:t>Stop</a:t>
-            </a:r>
-            <a:r>
-              <a:rPr lang="en-US" sz="2000" dirty="0"/>
-              <a:t>: What is not working? Something that we should stop doing. </a:t>
+            <a:endParaRPr lang="en-US" sz="2000" dirty="0"/>
+          </a:p>
+          <a:p>
+            <a:pPr marL="0" indent="0">
+              <a:buNone/>
+            </a:pPr>
+            <a:endParaRPr lang="en-US" sz="2000" dirty="0"/>
+          </a:p>
+        </p:txBody>
+      </p:sp>
+      <p:sp>
+        <p:nvSpPr>
+          <p:cNvPr id="4" name="Rectangle 3">
+            <a:extLst>
+              <a:ext uri="{FF2B5EF4-FFF2-40B4-BE49-F238E27FC236}">
+                <a16:creationId xmlns:a16="http://schemas.microsoft.com/office/drawing/2014/main" id="{26BADDFD-9BE3-0244-AE69-52D2BB47696A}"/>
+              </a:ext>
+            </a:extLst>
+          </p:cNvPr>
+          <p:cNvSpPr/>
+          <p:nvPr/>
+        </p:nvSpPr>
+        <p:spPr>
+          <a:xfrm>
+            <a:off x="838200" y="4649423"/>
+            <a:ext cx="10515600" cy="1754326"/>
+          </a:xfrm>
+          <a:prstGeom prst="rect">
+            <a:avLst/>
+          </a:prstGeom>
+        </p:spPr>
+        <p:txBody>
+          <a:bodyPr wrap="square">
+            <a:spAutoFit/>
+          </a:bodyPr>
+          <a:lstStyle/>
+          <a:p>
+            <a:r>
+              <a:rPr lang="en-US" u="sng" dirty="0"/>
+              <a:t>Team Report Out Guidelines</a:t>
+            </a:r>
+          </a:p>
+          <a:p>
+            <a:r>
+              <a:rPr lang="en-US" dirty="0"/>
+              <a:t>Scrum Master will </a:t>
+            </a:r>
+            <a:r>
+              <a:rPr lang="en-US" u="sng" dirty="0"/>
+              <a:t>stand up, give your name, your team name</a:t>
+            </a:r>
+            <a:r>
+              <a:rPr lang="en-US" dirty="0"/>
+              <a:t>, and briefly answer the following questions:</a:t>
+            </a:r>
+          </a:p>
+          <a:p>
+            <a:pPr marL="514350" indent="-514350">
+              <a:buFont typeface="+mj-lt"/>
+              <a:buAutoNum type="alphaLcParenR"/>
+            </a:pPr>
+            <a:r>
+              <a:rPr lang="en-US" dirty="0"/>
+              <a:t>What did you accomplish since the last meeting? And what will you be working on until the next meeting?</a:t>
+            </a:r>
+          </a:p>
+          <a:p>
+            <a:pPr marL="514350" indent="-514350">
+              <a:buFont typeface="+mj-lt"/>
+              <a:buAutoNum type="alphaLcParenR"/>
+            </a:pPr>
+            <a:r>
+              <a:rPr lang="en-US" dirty="0"/>
+              <a:t>Is the team committed to completing assignments? All/Most/Some</a:t>
+            </a:r>
+          </a:p>
+          <a:p>
+            <a:pPr marL="514350" indent="-514350">
+              <a:buFont typeface="+mj-lt"/>
+              <a:buAutoNum type="alphaLcParenR"/>
+            </a:pPr>
+            <a:r>
+              <a:rPr lang="en-US" dirty="0"/>
+              <a:t>What is getting in your way or keeping you from completing the assignments?</a:t>
             </a:r>
           </a:p>
         </p:txBody>
@@ -8368,7 +8899,7 @@
     </p:spTree>
     <p:extLst>
       <p:ext uri="{BB962C8B-B14F-4D97-AF65-F5344CB8AC3E}">
-        <p14:creationId xmlns:p14="http://schemas.microsoft.com/office/powerpoint/2010/main" val="2614693394"/>
+        <p14:creationId xmlns:p14="http://schemas.microsoft.com/office/powerpoint/2010/main" val="1188632697"/>
       </p:ext>
     </p:extLst>
   </p:cSld>
@@ -8397,7 +8928,13 @@
       </p:grpSpPr>
       <p:sp>
         <p:nvSpPr>
-          <p:cNvPr id="2" name="Title 1"/>
+          <p:cNvPr id="4" name="Title 1">
+            <a:extLst>
+              <a:ext uri="{FF2B5EF4-FFF2-40B4-BE49-F238E27FC236}">
+                <a16:creationId xmlns:a16="http://schemas.microsoft.com/office/drawing/2014/main" id="{527CE47F-3EF6-48CA-9239-E8B6E5C6B41A}"/>
+              </a:ext>
+            </a:extLst>
+          </p:cNvPr>
           <p:cNvSpPr>
             <a:spLocks noGrp="1"/>
           </p:cNvSpPr>
@@ -8407,8 +8944,8 @@
         </p:nvSpPr>
         <p:spPr>
           <a:xfrm>
-            <a:off x="838200" y="365126"/>
-            <a:ext cx="10515600" cy="757272"/>
+            <a:off x="838200" y="365125"/>
+            <a:ext cx="10515600" cy="1325563"/>
           </a:xfrm>
         </p:spPr>
         <p:txBody>
@@ -8419,15 +8956,20 @@
           <a:p>
             <a:r>
               <a:rPr lang="en-US" sz="3600" dirty="0"/>
-              <a:t>Lab</a:t>
-            </a:r>
-            <a:endParaRPr lang="en-US" sz="3600" b="1" i="1" u="sng" dirty="0"/>
-          </a:p>
-        </p:txBody>
-      </p:sp>
-      <p:sp>
-        <p:nvSpPr>
-          <p:cNvPr id="3" name="Content Placeholder 2"/>
+              <a:t>Start, Stop, Continue Retrospective Feedback Model</a:t>
+            </a:r>
+          </a:p>
+        </p:txBody>
+      </p:sp>
+      <p:sp>
+        <p:nvSpPr>
+          <p:cNvPr id="5" name="Content Placeholder 2">
+            <a:extLst>
+              <a:ext uri="{FF2B5EF4-FFF2-40B4-BE49-F238E27FC236}">
+                <a16:creationId xmlns:a16="http://schemas.microsoft.com/office/drawing/2014/main" id="{E8F0EA9A-219C-40FD-AE36-784EE1B77D56}"/>
+              </a:ext>
+            </a:extLst>
+          </p:cNvPr>
           <p:cNvSpPr>
             <a:spLocks noGrp="1"/>
           </p:cNvSpPr>
@@ -8437,8 +8979,8 @@
         </p:nvSpPr>
         <p:spPr>
           <a:xfrm>
-            <a:off x="838200" y="1122399"/>
-            <a:ext cx="10718950" cy="3104544"/>
+            <a:off x="838198" y="1690688"/>
+            <a:ext cx="10515601" cy="4486275"/>
           </a:xfrm>
         </p:spPr>
         <p:txBody>
@@ -8448,155 +8990,50 @@
           <a:lstStyle/>
           <a:p>
             <a:pPr marL="0" indent="0">
+              <a:spcAft>
+                <a:spcPts val="600"/>
+              </a:spcAft>
               <a:buNone/>
             </a:pPr>
             <a:r>
+              <a:rPr lang="en-US" sz="2000" b="1" u="sng" dirty="0"/>
+              <a:t>Continue</a:t>
+            </a:r>
+            <a:r>
               <a:rPr lang="en-US" sz="2000" dirty="0"/>
-              <a:t>As A Scrum Team:</a:t>
-            </a:r>
-          </a:p>
-          <a:p>
-            <a:pPr marL="457200" indent="-457200">
-              <a:buFont typeface="+mj-lt"/>
-              <a:buAutoNum type="arabicPeriod"/>
+              <a:t>: What is working? Something that we should make sure that we continue to do. </a:t>
+            </a:r>
+          </a:p>
+          <a:p>
+            <a:pPr marL="0" indent="0">
+              <a:spcAft>
+                <a:spcPts val="600"/>
+              </a:spcAft>
+              <a:buNone/>
             </a:pPr>
             <a:r>
+              <a:rPr lang="en-US" sz="2000" b="1" u="sng" dirty="0"/>
+              <a:t>Start</a:t>
+            </a:r>
+            <a:r>
               <a:rPr lang="en-US" sz="2000" dirty="0"/>
-              <a:t>Complete Sprint 4 Retrospective utilizing Start, Stop, Continue methodology (~10 min)</a:t>
-            </a:r>
-          </a:p>
-          <a:p>
-            <a:pPr marL="457200" indent="-457200">
-              <a:buFont typeface="+mj-lt"/>
-              <a:buAutoNum type="arabicPeriod"/>
+              <a:t>: What is something that would be nice to do that we are not doing now? Maybe something that you have seen work well in other classes or with other teams. </a:t>
+            </a:r>
+          </a:p>
+          <a:p>
+            <a:pPr marL="0" indent="0">
+              <a:spcAft>
+                <a:spcPts val="600"/>
+              </a:spcAft>
+              <a:buNone/>
             </a:pPr>
             <a:r>
+              <a:rPr lang="en-US" sz="2000" b="1" u="sng" dirty="0"/>
+              <a:t>Stop</a:t>
+            </a:r>
+            <a:r>
               <a:rPr lang="en-US" sz="2000" dirty="0"/>
-              <a:t>Discussion Board 5</a:t>
-            </a:r>
-          </a:p>
-          <a:p>
-            <a:pPr marL="457200" indent="-457200">
-              <a:buFont typeface="+mj-lt"/>
-              <a:buAutoNum type="arabicPeriod"/>
-            </a:pPr>
-            <a:r>
-              <a:rPr lang="en-US" sz="2000" dirty="0"/>
-              <a:t>Work on </a:t>
-            </a:r>
-            <a:r>
-              <a:rPr lang="en-US" sz="2000" dirty="0" err="1"/>
-              <a:t>SwissArmyKnife</a:t>
-            </a:r>
-            <a:r>
-              <a:rPr lang="en-US" sz="2000" dirty="0"/>
-              <a:t> (PA5) </a:t>
-            </a:r>
-          </a:p>
-          <a:p>
-            <a:pPr marL="457200" indent="-457200">
-              <a:buFont typeface="+mj-lt"/>
-              <a:buAutoNum type="arabicPeriod"/>
-            </a:pPr>
-            <a:r>
-              <a:rPr lang="en-US" sz="2000" dirty="0"/>
-              <a:t>Team report out by Scrum Master at 2:48</a:t>
-            </a:r>
-          </a:p>
-          <a:p>
-            <a:pPr marL="0" indent="0">
-              <a:buNone/>
-            </a:pPr>
-            <a:endParaRPr lang="en-US" sz="2000" dirty="0"/>
-          </a:p>
-          <a:p>
-            <a:pPr marL="0" indent="0">
-              <a:buNone/>
-            </a:pPr>
-            <a:endParaRPr lang="en-US" sz="2000" dirty="0"/>
-          </a:p>
-          <a:p>
-            <a:pPr marL="0" indent="0">
-              <a:buNone/>
-            </a:pPr>
-            <a:endParaRPr lang="en-US" sz="2000" dirty="0"/>
-          </a:p>
-        </p:txBody>
-      </p:sp>
-      <p:sp>
-        <p:nvSpPr>
-          <p:cNvPr id="4" name="Rectangle 3">
-            <a:extLst>
-              <a:ext uri="{FF2B5EF4-FFF2-40B4-BE49-F238E27FC236}">
-                <a16:creationId xmlns:a16="http://schemas.microsoft.com/office/drawing/2014/main" id="{26BADDFD-9BE3-0244-AE69-52D2BB47696A}"/>
-              </a:ext>
-            </a:extLst>
-          </p:cNvPr>
-          <p:cNvSpPr/>
-          <p:nvPr/>
-        </p:nvSpPr>
-        <p:spPr>
-          <a:xfrm>
-            <a:off x="838200" y="4649423"/>
-            <a:ext cx="10515600" cy="1754326"/>
-          </a:xfrm>
-          <a:prstGeom prst="rect">
-            <a:avLst/>
-          </a:prstGeom>
-        </p:spPr>
-        <p:txBody>
-          <a:bodyPr wrap="square">
-            <a:spAutoFit/>
-          </a:bodyPr>
-          <a:lstStyle/>
-          <a:p>
-            <a:r>
-              <a:rPr lang="en-US" u="sng" dirty="0"/>
-              <a:t>Team Report Out Guidelines</a:t>
-            </a:r>
-          </a:p>
-          <a:p>
-            <a:r>
-              <a:rPr lang="en-US" dirty="0"/>
-              <a:t>Scrum Master will </a:t>
-            </a:r>
-            <a:r>
-              <a:rPr lang="en-US" u="sng" dirty="0"/>
-              <a:t>stand up, give your name, your team name</a:t>
-            </a:r>
-            <a:r>
-              <a:rPr lang="en-US" dirty="0"/>
-              <a:t>, and briefly answer the following questions:</a:t>
-            </a:r>
-          </a:p>
-          <a:p>
-            <a:pPr marL="514350" indent="-514350">
-              <a:buFont typeface="+mj-lt"/>
-              <a:buAutoNum type="alphaLcParenR"/>
-            </a:pPr>
-            <a:r>
-              <a:rPr lang="en-US" dirty="0"/>
-              <a:t>What did you accomplish since the last meeting? And what will you be working on until the next meeting?</a:t>
-            </a:r>
-          </a:p>
-          <a:p>
-            <a:pPr marL="514350" indent="-514350">
-              <a:buFont typeface="+mj-lt"/>
-              <a:buAutoNum type="alphaLcParenR"/>
-            </a:pPr>
-            <a:r>
-              <a:rPr lang="en-US" dirty="0"/>
-              <a:t>Is the team committed to completing assignments? All/Most/Some</a:t>
-            </a:r>
-          </a:p>
-          <a:p>
-            <a:pPr marL="514350" indent="-514350">
-              <a:buFont typeface="+mj-lt"/>
-              <a:buAutoNum type="alphaLcParenR"/>
-            </a:pPr>
-            <a:r>
-              <a:rPr lang="en-US" dirty="0"/>
-              <a:t>What is getting in your way or keeping you from completing the assignments?</a:t>
+              <a:t>: What is not working? Something that we should stop doing. </a:t>
             </a:r>
           </a:p>
         </p:txBody>
@@ -8604,7 +9041,7 @@
     </p:spTree>
     <p:extLst>
       <p:ext uri="{BB962C8B-B14F-4D97-AF65-F5344CB8AC3E}">
-        <p14:creationId xmlns:p14="http://schemas.microsoft.com/office/powerpoint/2010/main" val="1188632697"/>
+        <p14:creationId xmlns:p14="http://schemas.microsoft.com/office/powerpoint/2010/main" val="2614693394"/>
       </p:ext>
     </p:extLst>
   </p:cSld>
@@ -8633,29 +9070,196 @@
       </p:grpSpPr>
       <p:sp>
         <p:nvSpPr>
-          <p:cNvPr id="2" name="Title 1"/>
-          <p:cNvSpPr>
-            <a:spLocks noGrp="1"/>
-          </p:cNvSpPr>
-          <p:nvPr>
-            <p:ph type="ctrTitle"/>
+          <p:cNvPr id="4" name="Title 1">
+            <a:extLst>
+              <a:ext uri="{FF2B5EF4-FFF2-40B4-BE49-F238E27FC236}">
+                <a16:creationId xmlns:a16="http://schemas.microsoft.com/office/drawing/2014/main" id="{71AB7F5B-4495-498D-9228-FE0FCE273C43}"/>
+              </a:ext>
+            </a:extLst>
+          </p:cNvPr>
+          <p:cNvSpPr>
+            <a:spLocks noGrp="1"/>
+          </p:cNvSpPr>
+          <p:nvPr>
+            <p:ph type="title"/>
           </p:nvPr>
         </p:nvSpPr>
         <p:spPr>
           <a:xfrm>
-            <a:off x="1524000" y="3072434"/>
-            <a:ext cx="9144000" cy="713132"/>
+            <a:off x="838200" y="474626"/>
+            <a:ext cx="10515600" cy="757272"/>
           </a:xfrm>
         </p:spPr>
         <p:txBody>
-          <a:bodyPr anchor="ctr">
-            <a:noAutofit/>
+          <a:bodyPr>
+            <a:normAutofit/>
           </a:bodyPr>
           <a:lstStyle/>
           <a:p>
             <a:r>
-              <a:rPr lang="en-US" sz="4000" dirty="0"/>
-              <a:t>Web Services, REST, and CORs</a:t>
+              <a:rPr lang="en-US" sz="3600" dirty="0"/>
+              <a:t>Sound &amp; Recording Check</a:t>
+            </a:r>
+            <a:endParaRPr lang="en-US" sz="3600" b="1" i="1" u="sng" dirty="0"/>
+          </a:p>
+        </p:txBody>
+      </p:sp>
+      <p:sp>
+        <p:nvSpPr>
+          <p:cNvPr id="5" name="Content Placeholder 2">
+            <a:extLst>
+              <a:ext uri="{FF2B5EF4-FFF2-40B4-BE49-F238E27FC236}">
+                <a16:creationId xmlns:a16="http://schemas.microsoft.com/office/drawing/2014/main" id="{A3AEDF17-A7EB-42B8-A3CF-77C0E99B49FB}"/>
+              </a:ext>
+            </a:extLst>
+          </p:cNvPr>
+          <p:cNvSpPr>
+            <a:spLocks noGrp="1"/>
+          </p:cNvSpPr>
+          <p:nvPr>
+            <p:ph idx="1"/>
+          </p:nvPr>
+        </p:nvSpPr>
+        <p:spPr>
+          <a:xfrm>
+            <a:off x="838200" y="1423219"/>
+            <a:ext cx="10718950" cy="4839358"/>
+          </a:xfrm>
+        </p:spPr>
+        <p:txBody>
+          <a:bodyPr>
+            <a:normAutofit fontScale="92500" lnSpcReduction="20000"/>
+          </a:bodyPr>
+          <a:lstStyle/>
+          <a:p>
+            <a:pPr marL="0" indent="0">
+              <a:spcBef>
+                <a:spcPts val="1800"/>
+              </a:spcBef>
+              <a:buNone/>
+            </a:pPr>
+            <a:r>
+              <a:rPr lang="en-US" sz="2000" dirty="0"/>
+              <a:t>Cohost Volunteer(s)? </a:t>
+            </a:r>
+          </a:p>
+          <a:p>
+            <a:pPr marL="0" indent="0">
+              <a:spcBef>
+                <a:spcPts val="1800"/>
+              </a:spcBef>
+              <a:buNone/>
+            </a:pPr>
+            <a:r>
+              <a:rPr lang="en-US" sz="2000" dirty="0"/>
+              <a:t>Onsite participants:</a:t>
+            </a:r>
+          </a:p>
+          <a:p>
+            <a:pPr>
+              <a:spcBef>
+                <a:spcPts val="1800"/>
+              </a:spcBef>
+            </a:pPr>
+            <a:r>
+              <a:rPr lang="en-US" sz="2000" dirty="0"/>
+              <a:t>Sit in a good spot near the speaker phone (iPad) if possible</a:t>
+            </a:r>
+          </a:p>
+          <a:p>
+            <a:pPr>
+              <a:spcBef>
+                <a:spcPts val="1800"/>
+              </a:spcBef>
+            </a:pPr>
+            <a:r>
+              <a:rPr lang="en-US" sz="2000" dirty="0"/>
+              <a:t>Optionally sign into Join.me… but make sure that your microphone and speakers are muted/off</a:t>
+            </a:r>
+          </a:p>
+          <a:p>
+            <a:pPr marL="0" indent="0">
+              <a:spcBef>
+                <a:spcPts val="1800"/>
+              </a:spcBef>
+              <a:buNone/>
+            </a:pPr>
+            <a:r>
+              <a:rPr lang="en-US" sz="2000" dirty="0"/>
+              <a:t>Remote participants:</a:t>
+            </a:r>
+          </a:p>
+          <a:p>
+            <a:pPr>
+              <a:spcBef>
+                <a:spcPts val="1800"/>
+              </a:spcBef>
+            </a:pPr>
+            <a:r>
+              <a:rPr lang="en-US" sz="2000" dirty="0"/>
+              <a:t>Log into Join.me </a:t>
+            </a:r>
+            <a:r>
+              <a:rPr lang="en-US" sz="2000" dirty="0">
+                <a:hlinkClick r:id="rId3"/>
+              </a:rPr>
+              <a:t>[link]</a:t>
+            </a:r>
+            <a:endParaRPr lang="en-US" sz="2000" dirty="0"/>
+          </a:p>
+          <a:p>
+            <a:pPr>
+              <a:spcBef>
+                <a:spcPts val="1800"/>
+              </a:spcBef>
+            </a:pPr>
+            <a:r>
+              <a:rPr lang="en-US" sz="2000" dirty="0"/>
+              <a:t>For Screen Sharing utilize your computer</a:t>
+            </a:r>
+          </a:p>
+          <a:p>
+            <a:pPr>
+              <a:spcBef>
+                <a:spcPts val="1800"/>
+              </a:spcBef>
+            </a:pPr>
+            <a:r>
+              <a:rPr lang="en-US" sz="2000" dirty="0"/>
+              <a:t>For conference call audio utilize your computer speakers and microphone OR dial into the session with your mobile phone</a:t>
+            </a:r>
+          </a:p>
+          <a:p>
+            <a:pPr marL="0" indent="0">
+              <a:spcBef>
+                <a:spcPts val="1800"/>
+              </a:spcBef>
+              <a:buNone/>
+            </a:pPr>
+            <a:endParaRPr lang="en-US" sz="2000" dirty="0"/>
+          </a:p>
+          <a:p>
+            <a:pPr marL="0" indent="0">
+              <a:spcBef>
+                <a:spcPts val="1800"/>
+              </a:spcBef>
+              <a:buNone/>
+            </a:pPr>
+            <a:r>
+              <a:rPr lang="en-US" sz="2000" dirty="0"/>
+              <a:t>Start recording and then stop recording after a few seconds</a:t>
+            </a:r>
+          </a:p>
+          <a:p>
+            <a:pPr marL="0" indent="0">
+              <a:spcBef>
+                <a:spcPts val="1800"/>
+              </a:spcBef>
+              <a:buNone/>
+            </a:pPr>
+            <a:r>
+              <a:rPr lang="en-US" sz="2000" dirty="0"/>
+              <a:t>Check recording sound when video is released by Join.me</a:t>
             </a:r>
           </a:p>
         </p:txBody>
@@ -8663,7 +9267,7 @@
     </p:spTree>
     <p:extLst>
       <p:ext uri="{BB962C8B-B14F-4D97-AF65-F5344CB8AC3E}">
-        <p14:creationId xmlns:p14="http://schemas.microsoft.com/office/powerpoint/2010/main" val="2239139863"/>
+        <p14:creationId xmlns:p14="http://schemas.microsoft.com/office/powerpoint/2010/main" val="4088144276"/>
       </p:ext>
     </p:extLst>
   </p:cSld>
@@ -8692,177 +9296,37 @@
       </p:grpSpPr>
       <p:sp>
         <p:nvSpPr>
-          <p:cNvPr id="4" name="Title 1">
-            <a:extLst>
-              <a:ext uri="{FF2B5EF4-FFF2-40B4-BE49-F238E27FC236}">
-                <a16:creationId xmlns:a16="http://schemas.microsoft.com/office/drawing/2014/main" id="{527CE47F-3EF6-48CA-9239-E8B6E5C6B41A}"/>
-              </a:ext>
-            </a:extLst>
-          </p:cNvPr>
-          <p:cNvSpPr>
-            <a:spLocks noGrp="1"/>
-          </p:cNvSpPr>
-          <p:nvPr>
-            <p:ph type="title"/>
+          <p:cNvPr id="2" name="Title 1"/>
+          <p:cNvSpPr>
+            <a:spLocks noGrp="1"/>
+          </p:cNvSpPr>
+          <p:nvPr>
+            <p:ph type="ctrTitle"/>
           </p:nvPr>
         </p:nvSpPr>
         <p:spPr>
           <a:xfrm>
-            <a:off x="838200" y="365125"/>
-            <a:ext cx="10515600" cy="1325563"/>
+            <a:off x="1524000" y="3072434"/>
+            <a:ext cx="9144000" cy="713132"/>
           </a:xfrm>
         </p:spPr>
         <p:txBody>
-          <a:bodyPr>
-            <a:normAutofit/>
+          <a:bodyPr anchor="ctr">
+            <a:noAutofit/>
           </a:bodyPr>
           <a:lstStyle/>
           <a:p>
             <a:r>
-              <a:rPr lang="en-US" sz="3600" dirty="0">
-                <a:latin typeface="+mn-lt"/>
-              </a:rPr>
-              <a:t>Web Services</a:t>
-            </a:r>
-          </a:p>
-        </p:txBody>
-      </p:sp>
-      <p:sp>
-        <p:nvSpPr>
-          <p:cNvPr id="3" name="Rectangle 2">
-            <a:extLst>
-              <a:ext uri="{FF2B5EF4-FFF2-40B4-BE49-F238E27FC236}">
-                <a16:creationId xmlns:a16="http://schemas.microsoft.com/office/drawing/2014/main" id="{6D4E1A95-16DC-4582-B3DE-CCF6667D032F}"/>
-              </a:ext>
-            </a:extLst>
-          </p:cNvPr>
-          <p:cNvSpPr/>
-          <p:nvPr/>
-        </p:nvSpPr>
-        <p:spPr>
-          <a:xfrm>
-            <a:off x="752475" y="1614309"/>
-            <a:ext cx="10515600" cy="2585323"/>
-          </a:xfrm>
-          <a:prstGeom prst="rect">
-            <a:avLst/>
-          </a:prstGeom>
-        </p:spPr>
-        <p:txBody>
-          <a:bodyPr wrap="square">
-            <a:spAutoFit/>
-          </a:bodyPr>
-          <a:lstStyle/>
-          <a:p>
-            <a:r>
-              <a:rPr lang="en-US" dirty="0"/>
-              <a:t>In a web service, the Web technology such as </a:t>
-            </a:r>
-            <a:r>
-              <a:rPr lang="en-US" dirty="0">
-                <a:hlinkClick r:id="rId3" tooltip="HTTP"/>
-              </a:rPr>
-              <a:t>HTTP</a:t>
-            </a:r>
-            <a:r>
-              <a:rPr lang="en-US" dirty="0"/>
-              <a:t>—originally designed for human-to-machine communication—is utilized for machine-to-machine communication, more specifically for transferring machine-readable file formats such as </a:t>
-            </a:r>
-            <a:r>
-              <a:rPr lang="en-US" dirty="0">
-                <a:hlinkClick r:id="rId4" tooltip="XML"/>
-              </a:rPr>
-              <a:t>XML</a:t>
-            </a:r>
-            <a:r>
-              <a:rPr lang="en-US" dirty="0"/>
-              <a:t> and </a:t>
-            </a:r>
-            <a:r>
-              <a:rPr lang="en-US" dirty="0">
-                <a:hlinkClick r:id="rId5" tooltip="JSON"/>
-              </a:rPr>
-              <a:t>JSON</a:t>
-            </a:r>
-            <a:r>
-              <a:rPr lang="en-US" dirty="0"/>
-              <a:t>.</a:t>
-            </a:r>
-          </a:p>
-          <a:p>
-            <a:endParaRPr lang="en-US" dirty="0"/>
-          </a:p>
-          <a:p>
-            <a:r>
-              <a:rPr lang="en-US" dirty="0"/>
-              <a:t>In practice, a web service commonly provides an </a:t>
-            </a:r>
-            <a:r>
-              <a:rPr lang="en-US" dirty="0">
-                <a:hlinkClick r:id="rId6" tooltip="Object database"/>
-              </a:rPr>
-              <a:t>object-oriented</a:t>
-            </a:r>
-            <a:r>
-              <a:rPr lang="en-US" dirty="0"/>
-              <a:t> web-based interface to a database server, utilized for example by another web server, or by a </a:t>
-            </a:r>
-            <a:r>
-              <a:rPr lang="en-US" dirty="0">
-                <a:hlinkClick r:id="rId7" tooltip="Mobile app development"/>
-              </a:rPr>
-              <a:t>mobile app</a:t>
-            </a:r>
-            <a:r>
-              <a:rPr lang="en-US" dirty="0"/>
-              <a:t>, that provides a user interface to the end user. </a:t>
-            </a:r>
-          </a:p>
-          <a:p>
-            <a:endParaRPr lang="en-US" dirty="0"/>
-          </a:p>
-          <a:p>
-            <a:r>
-              <a:rPr lang="en-US" dirty="0"/>
-              <a:t>Many organizations that provide data in formatted HTML pages will also provide that data on their server as XML or JSON, often through a web service to allow syndication</a:t>
-            </a:r>
-          </a:p>
-        </p:txBody>
-      </p:sp>
-      <p:pic>
-        <p:nvPicPr>
-          <p:cNvPr id="6" name="Picture 5">
-            <a:extLst>
-              <a:ext uri="{FF2B5EF4-FFF2-40B4-BE49-F238E27FC236}">
-                <a16:creationId xmlns:a16="http://schemas.microsoft.com/office/drawing/2014/main" id="{2CE7C933-0F89-420D-9B13-0331165A1E50}"/>
-              </a:ext>
-            </a:extLst>
-          </p:cNvPr>
-          <p:cNvPicPr>
-            <a:picLocks noChangeAspect="1"/>
-          </p:cNvPicPr>
-          <p:nvPr/>
-        </p:nvPicPr>
-        <p:blipFill>
-          <a:blip r:embed="rId8"/>
-          <a:stretch>
-            <a:fillRect/>
-          </a:stretch>
-        </p:blipFill>
-        <p:spPr>
-          <a:xfrm>
-            <a:off x="10765403" y="59830"/>
-            <a:ext cx="1290389" cy="1420356"/>
-          </a:xfrm>
-          <a:prstGeom prst="rect">
-            <a:avLst/>
-          </a:prstGeom>
-        </p:spPr>
-      </p:pic>
+              <a:rPr lang="en-US" sz="4000" dirty="0"/>
+              <a:t>Creating our first REST Web Service</a:t>
+            </a:r>
+          </a:p>
+        </p:txBody>
+      </p:sp>
     </p:spTree>
     <p:extLst>
       <p:ext uri="{BB962C8B-B14F-4D97-AF65-F5344CB8AC3E}">
-        <p14:creationId xmlns:p14="http://schemas.microsoft.com/office/powerpoint/2010/main" val="1887818089"/>
+        <p14:creationId xmlns:p14="http://schemas.microsoft.com/office/powerpoint/2010/main" val="3462178535"/>
       </p:ext>
     </p:extLst>
   </p:cSld>
